--- a/esercitazioni/Laboratory_22-23/Session_6/Lab_06_Slides.pptx
+++ b/esercitazioni/Laboratory_22-23/Session_6/Lab_06_Slides.pptx
@@ -8,9 +8,10 @@
     <p:sldId id="256" r:id="rId2"/>
     <p:sldId id="257" r:id="rId3"/>
     <p:sldId id="258" r:id="rId4"/>
-    <p:sldId id="259" r:id="rId5"/>
+    <p:sldId id="262" r:id="rId5"/>
     <p:sldId id="260" r:id="rId6"/>
     <p:sldId id="261" r:id="rId7"/>
+    <p:sldId id="259" r:id="rId8"/>
   </p:sldIdLst>
   <p:sldSz cx="12192000" cy="6858000"/>
   <p:notesSz cx="7559675" cy="10691813"/>
@@ -303,7 +304,7 @@
           <a:p>
             <a:fld id="{4AAD347D-5ACD-4C99-B74B-A9C85AD731AF}" type="datetimeFigureOut">
               <a:rPr lang="en-US" dirty="0"/>
-              <a:t>11/23/2022</a:t>
+              <a:t>11/28/2022</a:t>
             </a:fld>
             <a:endParaRPr lang="en-US" dirty="0"/>
           </a:p>
@@ -578,7 +579,7 @@
           <a:p>
             <a:fld id="{4509A250-FF31-4206-8172-F9D3106AACB1}" type="datetimeFigureOut">
               <a:rPr lang="en-US" dirty="0"/>
-              <a:t>11/23/2022</a:t>
+              <a:t>11/28/2022</a:t>
             </a:fld>
             <a:endParaRPr lang="en-US" dirty="0"/>
           </a:p>
@@ -772,7 +773,7 @@
           <a:p>
             <a:fld id="{4509A250-FF31-4206-8172-F9D3106AACB1}" type="datetimeFigureOut">
               <a:rPr lang="en-US" dirty="0"/>
-              <a:t>11/23/2022</a:t>
+              <a:t>11/28/2022</a:t>
             </a:fld>
             <a:endParaRPr lang="en-US" dirty="0"/>
           </a:p>
@@ -1045,7 +1046,7 @@
           <a:p>
             <a:fld id="{4509A250-FF31-4206-8172-F9D3106AACB1}" type="datetimeFigureOut">
               <a:rPr lang="en-US" dirty="0"/>
-              <a:t>11/23/2022</a:t>
+              <a:t>11/28/2022</a:t>
             </a:fld>
             <a:endParaRPr lang="en-US" dirty="0"/>
           </a:p>
@@ -1386,7 +1387,7 @@
           <a:p>
             <a:fld id="{4509A250-FF31-4206-8172-F9D3106AACB1}" type="datetimeFigureOut">
               <a:rPr lang="en-US" dirty="0"/>
-              <a:t>11/23/2022</a:t>
+              <a:t>11/28/2022</a:t>
             </a:fld>
             <a:endParaRPr lang="en-US" dirty="0"/>
           </a:p>
@@ -2009,7 +2010,7 @@
           <a:p>
             <a:fld id="{4509A250-FF31-4206-8172-F9D3106AACB1}" type="datetimeFigureOut">
               <a:rPr lang="en-US" dirty="0"/>
-              <a:t>11/23/2022</a:t>
+              <a:t>11/28/2022</a:t>
             </a:fld>
             <a:endParaRPr lang="en-US" dirty="0"/>
           </a:p>
@@ -2869,7 +2870,7 @@
           <a:p>
             <a:fld id="{4509A250-FF31-4206-8172-F9D3106AACB1}" type="datetimeFigureOut">
               <a:rPr lang="en-US" dirty="0"/>
-              <a:t>11/23/2022</a:t>
+              <a:t>11/28/2022</a:t>
             </a:fld>
             <a:endParaRPr lang="en-US" dirty="0"/>
           </a:p>
@@ -3039,7 +3040,7 @@
           <a:p>
             <a:fld id="{4509A250-FF31-4206-8172-F9D3106AACB1}" type="datetimeFigureOut">
               <a:rPr lang="en-US" dirty="0"/>
-              <a:t>11/23/2022</a:t>
+              <a:t>11/28/2022</a:t>
             </a:fld>
             <a:endParaRPr lang="en-US" dirty="0"/>
           </a:p>
@@ -3219,7 +3220,7 @@
           <a:p>
             <a:fld id="{4509A250-FF31-4206-8172-F9D3106AACB1}" type="datetimeFigureOut">
               <a:rPr lang="en-US" dirty="0"/>
-              <a:t>11/23/2022</a:t>
+              <a:t>11/28/2022</a:t>
             </a:fld>
             <a:endParaRPr lang="en-US" dirty="0"/>
           </a:p>
@@ -3482,7 +3483,7 @@
           <a:p>
             <a:fld id="{4509A250-FF31-4206-8172-F9D3106AACB1}" type="datetimeFigureOut">
               <a:rPr lang="en-US" dirty="0"/>
-              <a:t>11/23/2022</a:t>
+              <a:t>11/28/2022</a:t>
             </a:fld>
             <a:endParaRPr lang="en-US" dirty="0"/>
           </a:p>
@@ -3729,7 +3730,7 @@
           <a:p>
             <a:fld id="{9796027F-7875-4030-9381-8BD8C4F21935}" type="datetimeFigureOut">
               <a:rPr lang="en-US" dirty="0"/>
-              <a:t>11/23/2022</a:t>
+              <a:t>11/28/2022</a:t>
             </a:fld>
             <a:endParaRPr lang="en-US" dirty="0"/>
           </a:p>
@@ -4021,7 +4022,7 @@
           <a:p>
             <a:fld id="{9796027F-7875-4030-9381-8BD8C4F21935}" type="datetimeFigureOut">
               <a:rPr lang="en-US" dirty="0"/>
-              <a:t>11/23/2022</a:t>
+              <a:t>11/28/2022</a:t>
             </a:fld>
             <a:endParaRPr lang="en-US" dirty="0"/>
           </a:p>
@@ -4465,7 +4466,7 @@
           <a:p>
             <a:fld id="{9796027F-7875-4030-9381-8BD8C4F21935}" type="datetimeFigureOut">
               <a:rPr lang="en-US" dirty="0"/>
-              <a:t>11/23/2022</a:t>
+              <a:t>11/28/2022</a:t>
             </a:fld>
             <a:endParaRPr lang="en-US" dirty="0"/>
           </a:p>
@@ -4583,7 +4584,7 @@
           <a:p>
             <a:fld id="{4509A250-FF31-4206-8172-F9D3106AACB1}" type="datetimeFigureOut">
               <a:rPr lang="en-US" dirty="0"/>
-              <a:t>11/23/2022</a:t>
+              <a:t>11/28/2022</a:t>
             </a:fld>
             <a:endParaRPr lang="en-US" dirty="0"/>
           </a:p>
@@ -4678,7 +4679,7 @@
           <a:p>
             <a:fld id="{4509A250-FF31-4206-8172-F9D3106AACB1}" type="datetimeFigureOut">
               <a:rPr lang="en-US" dirty="0"/>
-              <a:t>11/23/2022</a:t>
+              <a:t>11/28/2022</a:t>
             </a:fld>
             <a:endParaRPr lang="en-US" dirty="0"/>
           </a:p>
@@ -4957,7 +4958,7 @@
           <a:p>
             <a:fld id="{4509A250-FF31-4206-8172-F9D3106AACB1}" type="datetimeFigureOut">
               <a:rPr lang="en-US" dirty="0"/>
-              <a:t>11/23/2022</a:t>
+              <a:t>11/28/2022</a:t>
             </a:fld>
             <a:endParaRPr lang="en-US" dirty="0"/>
           </a:p>
@@ -5232,7 +5233,7 @@
           <a:p>
             <a:fld id="{4509A250-FF31-4206-8172-F9D3106AACB1}" type="datetimeFigureOut">
               <a:rPr lang="en-US" dirty="0"/>
-              <a:t>11/23/2022</a:t>
+              <a:t>11/28/2022</a:t>
             </a:fld>
             <a:endParaRPr lang="en-US" dirty="0"/>
           </a:p>
@@ -5661,7 +5662,7 @@
           <a:p>
             <a:fld id="{4AAD347D-5ACD-4C99-B74B-A9C85AD731AF}" type="datetimeFigureOut">
               <a:rPr lang="en-US" dirty="0"/>
-              <a:t>11/23/2022</a:t>
+              <a:t>11/28/2022</a:t>
             </a:fld>
             <a:endParaRPr lang="en-US" dirty="0"/>
           </a:p>
@@ -6976,7 +6977,7 @@
                 </a:solidFill>
                 <a:latin typeface="Century Gothic"/>
               </a:rPr>
-              <a:t>our</a:t>
+              <a:t>its</a:t>
             </a:r>
             <a:r>
               <a:rPr lang="it-IT" sz="2000" b="0" strike="noStrike" spc="-1" dirty="0">
@@ -7831,7 +7832,7 @@
       </p:grpSpPr>
       <p:sp>
         <p:nvSpPr>
-          <p:cNvPr id="139" name="CustomShape 1"/>
+          <p:cNvPr id="141" name="CustomShape 1"/>
           <p:cNvSpPr/>
           <p:nvPr/>
         </p:nvSpPr>
@@ -7872,15 +7873,15 @@
               </a:lnSpc>
             </a:pPr>
             <a:r>
-              <a:rPr lang="it-IT" sz="4200" b="0" strike="noStrike" spc="-1">
+              <a:rPr lang="it-IT" sz="4200" b="0" strike="noStrike" spc="-1" dirty="0">
                 <a:solidFill>
                   <a:srgbClr val="EBEBEB"/>
                 </a:solidFill>
                 <a:latin typeface="Century Gothic"/>
               </a:rPr>
-              <a:t>Ettercap</a:t>
-            </a:r>
-            <a:endParaRPr lang="en-US" sz="4200" b="0" strike="noStrike" spc="-1">
+              <a:t>DNS Spoofing</a:t>
+            </a:r>
+            <a:endParaRPr lang="en-US" sz="4200" b="0" strike="noStrike" spc="-1" dirty="0">
               <a:latin typeface="Arial"/>
             </a:endParaRPr>
           </a:p>
@@ -7888,7 +7889,7 @@
       </p:sp>
       <p:sp>
         <p:nvSpPr>
-          <p:cNvPr id="140" name="CustomShape 2"/>
+          <p:cNvPr id="142" name="CustomShape 2"/>
           <p:cNvSpPr/>
           <p:nvPr/>
         </p:nvSpPr>
@@ -7938,84 +7939,14 @@
               <a:buChar char=""/>
             </a:pPr>
             <a:r>
-              <a:rPr lang="it-IT" sz="2000" b="0" strike="noStrike" spc="-1" dirty="0" err="1">
-                <a:solidFill>
-                  <a:srgbClr val="FFFFFF"/>
-                </a:solidFill>
-                <a:latin typeface="Century Gothic"/>
-              </a:rPr>
-              <a:t>Ettercap</a:t>
-            </a:r>
-            <a:r>
-              <a:rPr lang="it-IT" sz="2000" b="0" strike="noStrike" spc="-1" dirty="0">
-                <a:solidFill>
-                  <a:srgbClr val="FFFFFF"/>
-                </a:solidFill>
-                <a:latin typeface="Century Gothic"/>
-              </a:rPr>
-              <a:t> </a:t>
-            </a:r>
-            <a:r>
-              <a:rPr lang="it-IT" sz="2000" b="0" strike="noStrike" spc="-1" dirty="0" err="1">
-                <a:solidFill>
-                  <a:srgbClr val="FFFFFF"/>
-                </a:solidFill>
-                <a:latin typeface="Century Gothic"/>
-              </a:rPr>
-              <a:t>is</a:t>
-            </a:r>
-            <a:r>
-              <a:rPr lang="it-IT" sz="2000" b="0" strike="noStrike" spc="-1" dirty="0">
-                <a:solidFill>
-                  <a:srgbClr val="FFFFFF"/>
-                </a:solidFill>
-                <a:latin typeface="Century Gothic"/>
-              </a:rPr>
-              <a:t> a </a:t>
-            </a:r>
-            <a:r>
-              <a:rPr lang="it-IT" sz="2000" b="0" strike="noStrike" spc="-1" dirty="0" err="1">
-                <a:solidFill>
-                  <a:srgbClr val="FFFFFF"/>
-                </a:solidFill>
-                <a:latin typeface="Century Gothic"/>
-              </a:rPr>
-              <a:t>well-known</a:t>
-            </a:r>
-            <a:r>
-              <a:rPr lang="it-IT" sz="2000" b="0" strike="noStrike" spc="-1" dirty="0">
-                <a:solidFill>
-                  <a:srgbClr val="FFFFFF"/>
-                </a:solidFill>
-                <a:latin typeface="Century Gothic"/>
-              </a:rPr>
-              <a:t> tool for MITM </a:t>
-            </a:r>
-            <a:r>
-              <a:rPr lang="it-IT" sz="2000" b="0" strike="noStrike" spc="-1" dirty="0" err="1">
-                <a:solidFill>
-                  <a:srgbClr val="FFFFFF"/>
-                </a:solidFill>
-                <a:latin typeface="Century Gothic"/>
-              </a:rPr>
-              <a:t>attacks</a:t>
-            </a:r>
-            <a:endParaRPr lang="en-US" sz="2000" b="0" strike="noStrike" spc="-1" dirty="0">
-              <a:latin typeface="Arial"/>
-            </a:endParaRPr>
-          </a:p>
-          <a:p>
-            <a:pPr>
-              <a:lnSpc>
-                <a:spcPct val="100000"/>
-              </a:lnSpc>
-              <a:spcBef>
-                <a:spcPts val="1001"/>
-              </a:spcBef>
-            </a:pPr>
-            <a:endParaRPr lang="en-US" sz="2000" b="0" strike="noStrike" spc="-1" dirty="0">
-              <a:latin typeface="Arial"/>
-            </a:endParaRPr>
+              <a:rPr lang="en-US" sz="2000" b="0" strike="noStrike" spc="-1" dirty="0">
+                <a:solidFill>
+                  <a:srgbClr val="FFFFFF"/>
+                </a:solidFill>
+                <a:latin typeface="Century Gothic"/>
+              </a:rPr>
+              <a:t>DNS cache poisoning (or DNS Spoofing), is a form of computer security hacking in which corrupt Domain Name System data is introduced into the DNS resolver's cache</a:t>
+            </a:r>
           </a:p>
           <a:p>
             <a:pPr marL="343080" indent="-342360">
@@ -8032,60 +7963,12 @@
               <a:buFont typeface="Wingdings 3" charset="2"/>
               <a:buChar char=""/>
             </a:pPr>
-            <a:r>
-              <a:rPr lang="it-IT" sz="2000" b="0" strike="noStrike" spc="-1" dirty="0" err="1">
-                <a:solidFill>
-                  <a:srgbClr val="FFFFFF"/>
-                </a:solidFill>
-                <a:latin typeface="Century Gothic"/>
-              </a:rPr>
-              <a:t>We</a:t>
-            </a:r>
-            <a:r>
-              <a:rPr lang="it-IT" sz="2000" b="0" strike="noStrike" spc="-1" dirty="0">
-                <a:solidFill>
-                  <a:srgbClr val="FFFFFF"/>
-                </a:solidFill>
-                <a:latin typeface="Century Gothic"/>
-              </a:rPr>
-              <a:t> </a:t>
-            </a:r>
-            <a:r>
-              <a:rPr lang="it-IT" sz="2000" b="0" strike="noStrike" spc="-1" dirty="0" err="1">
-                <a:solidFill>
-                  <a:srgbClr val="FFFFFF"/>
-                </a:solidFill>
-                <a:latin typeface="Century Gothic"/>
-              </a:rPr>
-              <a:t>will</a:t>
-            </a:r>
-            <a:r>
-              <a:rPr lang="it-IT" sz="2000" b="0" strike="noStrike" spc="-1" dirty="0">
-                <a:solidFill>
-                  <a:srgbClr val="FFFFFF"/>
-                </a:solidFill>
-                <a:latin typeface="Century Gothic"/>
-              </a:rPr>
-              <a:t> focus on ARP </a:t>
-            </a:r>
-            <a:r>
-              <a:rPr lang="it-IT" sz="2000" b="0" strike="noStrike" spc="-1" dirty="0" err="1">
-                <a:solidFill>
-                  <a:srgbClr val="FFFFFF"/>
-                </a:solidFill>
-                <a:latin typeface="Century Gothic"/>
-              </a:rPr>
-              <a:t>spoofin</a:t>
-            </a:r>
-            <a:r>
-              <a:rPr lang="en-US" sz="2000" spc="-1" dirty="0">
-                <a:solidFill>
-                  <a:srgbClr val="FFFFFF"/>
-                </a:solidFill>
-                <a:latin typeface="Arial"/>
-              </a:rPr>
-              <a:t>g</a:t>
-            </a:r>
+            <a:endParaRPr lang="en-US" sz="2000" spc="-1" dirty="0">
+              <a:solidFill>
+                <a:srgbClr val="FFFFFF"/>
+              </a:solidFill>
+              <a:latin typeface="Century Gothic"/>
+            </a:endParaRPr>
           </a:p>
           <a:p>
             <a:pPr marL="343080" indent="-342360">
@@ -8102,12 +7985,15 @@
               <a:buFont typeface="Wingdings 3" charset="2"/>
               <a:buChar char=""/>
             </a:pPr>
-            <a:endParaRPr lang="en-US" sz="2000" b="0" strike="noStrike" spc="-1" dirty="0">
-              <a:solidFill>
-                <a:srgbClr val="FFFFFF"/>
-              </a:solidFill>
-              <a:latin typeface="Arial"/>
-            </a:endParaRPr>
+            <a:r>
+              <a:rPr lang="en-US" sz="2000" b="0" strike="noStrike" spc="-1" dirty="0">
+                <a:solidFill>
+                  <a:srgbClr val="FFFFFF"/>
+                </a:solidFill>
+                <a:latin typeface="Century Gothic"/>
+              </a:rPr>
+              <a:t>It causes the name server to return an incorrect result record (for example, an wrong IP address)</a:t>
+            </a:r>
           </a:p>
           <a:p>
             <a:pPr marL="343080" indent="-342360">
@@ -8124,18 +8010,18 @@
               <a:buFont typeface="Wingdings 3" charset="2"/>
               <a:buChar char=""/>
             </a:pPr>
-            <a:r>
-              <a:rPr lang="en-US" sz="2000" spc="-1" dirty="0">
-                <a:solidFill>
-                  <a:srgbClr val="FFFFFF"/>
-                </a:solidFill>
-                <a:latin typeface="Arial"/>
-              </a:rPr>
-              <a:t>Install Ettercap using the following command:</a:t>
-            </a:r>
-          </a:p>
-          <a:p>
-            <a:pPr marL="1257480" lvl="2" indent="-342360">
+            <a:endParaRPr lang="en-US" sz="2000" spc="-1" dirty="0">
+              <a:solidFill>
+                <a:srgbClr val="FFFFFF"/>
+              </a:solidFill>
+              <a:latin typeface="Century Gothic"/>
+            </a:endParaRPr>
+          </a:p>
+          <a:p>
+            <a:pPr marL="343080" indent="-342360">
+              <a:lnSpc>
+                <a:spcPct val="100000"/>
+              </a:lnSpc>
               <a:spcBef>
                 <a:spcPts val="1001"/>
               </a:spcBef>
@@ -8147,51 +8033,42 @@
               <a:buChar char=""/>
             </a:pPr>
             <a:r>
-              <a:rPr lang="en-US" sz="2000" strike="noStrike" spc="-1" dirty="0" err="1">
-                <a:solidFill>
-                  <a:srgbClr val="FFFFFF"/>
-                </a:solidFill>
-                <a:latin typeface="Arial"/>
-              </a:rPr>
-              <a:t>sudo</a:t>
-            </a:r>
-            <a:r>
-              <a:rPr lang="en-US" sz="2000" strike="noStrike" spc="-1" dirty="0">
-                <a:solidFill>
-                  <a:srgbClr val="FFFFFF"/>
-                </a:solidFill>
-                <a:latin typeface="Arial"/>
-              </a:rPr>
-              <a:t> apt install </a:t>
-            </a:r>
-            <a:r>
-              <a:rPr lang="en-US" sz="2000" strike="noStrike" spc="-1" dirty="0" err="1">
-                <a:solidFill>
-                  <a:srgbClr val="FFFFFF"/>
-                </a:solidFill>
-                <a:latin typeface="Arial"/>
-              </a:rPr>
-              <a:t>ettercap</a:t>
-            </a:r>
-            <a:r>
-              <a:rPr lang="en-US" sz="2000" strike="noStrike" spc="-1" dirty="0">
-                <a:solidFill>
-                  <a:srgbClr val="FFFFFF"/>
-                </a:solidFill>
-                <a:latin typeface="Arial"/>
-              </a:rPr>
-              <a:t>-text-only</a:t>
-            </a:r>
-            <a:endParaRPr lang="it-IT" sz="2000" strike="noStrike" spc="-1" dirty="0">
+              <a:rPr lang="en-US" sz="2000" b="0" strike="noStrike" spc="-1" dirty="0">
+                <a:solidFill>
+                  <a:srgbClr val="FFFFFF"/>
+                </a:solidFill>
+                <a:latin typeface="Century Gothic"/>
+              </a:rPr>
+              <a:t>All the traffic is diverted to the attacker's computer (or to any other computer)</a:t>
+            </a:r>
+            <a:endParaRPr lang="it-IT" sz="2000" b="0" strike="noStrike" spc="-1" dirty="0">
               <a:solidFill>
                 <a:srgbClr val="FFFFFF"/>
               </a:solidFill>
               <a:latin typeface="Century Gothic"/>
             </a:endParaRPr>
           </a:p>
+          <a:p>
+            <a:pPr>
+              <a:lnSpc>
+                <a:spcPct val="100000"/>
+              </a:lnSpc>
+              <a:spcBef>
+                <a:spcPts val="1001"/>
+              </a:spcBef>
+            </a:pPr>
+            <a:endParaRPr lang="en-US" sz="2000" b="0" strike="noStrike" spc="-1" dirty="0">
+              <a:latin typeface="Arial"/>
+            </a:endParaRPr>
+          </a:p>
         </p:txBody>
       </p:sp>
     </p:spTree>
+    <p:extLst>
+      <p:ext uri="{BB962C8B-B14F-4D97-AF65-F5344CB8AC3E}">
+        <p14:creationId xmlns:p14="http://schemas.microsoft.com/office/powerpoint/2010/main" val="860726749"/>
+      </p:ext>
+    </p:extLst>
   </p:cSld>
   <p:clrMapOvr>
     <a:masterClrMapping/>
@@ -8841,6 +8718,417 @@
           </a:ln>
         </p:spPr>
       </p:pic>
+    </p:spTree>
+  </p:cSld>
+  <p:clrMapOvr>
+    <a:masterClrMapping/>
+  </p:clrMapOvr>
+</p:sld>
+</file>
+
+<file path=ppt/slides/slide7.xml><?xml version="1.0" encoding="utf-8"?>
+<p:sld xmlns:a="http://schemas.openxmlformats.org/drawingml/2006/main" xmlns:r="http://schemas.openxmlformats.org/officeDocument/2006/relationships" xmlns:p="http://schemas.openxmlformats.org/presentationml/2006/main">
+  <p:cSld>
+    <p:spTree>
+      <p:nvGrpSpPr>
+        <p:cNvPr id="1" name=""/>
+        <p:cNvGrpSpPr/>
+        <p:nvPr/>
+      </p:nvGrpSpPr>
+      <p:grpSpPr>
+        <a:xfrm>
+          <a:off x="0" y="0"/>
+          <a:ext cx="0" cy="0"/>
+          <a:chOff x="0" y="0"/>
+          <a:chExt cx="0" cy="0"/>
+        </a:xfrm>
+      </p:grpSpPr>
+      <p:sp>
+        <p:nvSpPr>
+          <p:cNvPr id="139" name="CustomShape 1"/>
+          <p:cNvSpPr/>
+          <p:nvPr/>
+        </p:nvSpPr>
+        <p:spPr>
+          <a:xfrm>
+            <a:off x="646200" y="452880"/>
+            <a:ext cx="9403920" cy="1399680"/>
+          </a:xfrm>
+          <a:prstGeom prst="rect">
+            <a:avLst/>
+          </a:prstGeom>
+          <a:noFill/>
+          <a:ln>
+            <a:noFill/>
+          </a:ln>
+        </p:spPr>
+        <p:style>
+          <a:lnRef idx="0">
+            <a:scrgbClr r="0" g="0" b="0"/>
+          </a:lnRef>
+          <a:fillRef idx="0">
+            <a:scrgbClr r="0" g="0" b="0"/>
+          </a:fillRef>
+          <a:effectRef idx="0">
+            <a:scrgbClr r="0" g="0" b="0"/>
+          </a:effectRef>
+          <a:fontRef idx="minor"/>
+        </p:style>
+        <p:txBody>
+          <a:bodyPr lIns="90000" tIns="45000" rIns="90000" bIns="45000">
+            <a:noAutofit/>
+          </a:bodyPr>
+          <a:lstStyle/>
+          <a:p>
+            <a:pPr>
+              <a:lnSpc>
+                <a:spcPct val="100000"/>
+              </a:lnSpc>
+            </a:pPr>
+            <a:r>
+              <a:rPr lang="it-IT" sz="4200" b="0" strike="noStrike" spc="-1">
+                <a:solidFill>
+                  <a:srgbClr val="EBEBEB"/>
+                </a:solidFill>
+                <a:latin typeface="Century Gothic"/>
+              </a:rPr>
+              <a:t>Ettercap</a:t>
+            </a:r>
+            <a:endParaRPr lang="en-US" sz="4200" b="0" strike="noStrike" spc="-1">
+              <a:latin typeface="Arial"/>
+            </a:endParaRPr>
+          </a:p>
+        </p:txBody>
+      </p:sp>
+      <p:sp>
+        <p:nvSpPr>
+          <p:cNvPr id="140" name="CustomShape 2"/>
+          <p:cNvSpPr/>
+          <p:nvPr/>
+        </p:nvSpPr>
+        <p:spPr>
+          <a:xfrm>
+            <a:off x="1103400" y="2053080"/>
+            <a:ext cx="8946000" cy="4194720"/>
+          </a:xfrm>
+          <a:prstGeom prst="rect">
+            <a:avLst/>
+          </a:prstGeom>
+          <a:noFill/>
+          <a:ln>
+            <a:noFill/>
+          </a:ln>
+        </p:spPr>
+        <p:style>
+          <a:lnRef idx="0">
+            <a:scrgbClr r="0" g="0" b="0"/>
+          </a:lnRef>
+          <a:fillRef idx="0">
+            <a:scrgbClr r="0" g="0" b="0"/>
+          </a:fillRef>
+          <a:effectRef idx="0">
+            <a:scrgbClr r="0" g="0" b="0"/>
+          </a:effectRef>
+          <a:fontRef idx="minor"/>
+        </p:style>
+        <p:txBody>
+          <a:bodyPr lIns="90000" tIns="45000" rIns="90000" bIns="45000">
+            <a:noAutofit/>
+          </a:bodyPr>
+          <a:lstStyle/>
+          <a:p>
+            <a:pPr marL="343080" indent="-342360">
+              <a:lnSpc>
+                <a:spcPct val="100000"/>
+              </a:lnSpc>
+              <a:spcBef>
+                <a:spcPts val="1001"/>
+              </a:spcBef>
+              <a:buClr>
+                <a:srgbClr val="8AD0D6"/>
+              </a:buClr>
+              <a:buSzPct val="80000"/>
+              <a:buFont typeface="Wingdings 3" charset="2"/>
+              <a:buChar char=""/>
+            </a:pPr>
+            <a:r>
+              <a:rPr lang="it-IT" sz="2000" b="0" strike="noStrike" spc="-1" dirty="0" err="1">
+                <a:solidFill>
+                  <a:srgbClr val="FFFFFF"/>
+                </a:solidFill>
+                <a:latin typeface="Century Gothic"/>
+              </a:rPr>
+              <a:t>Ettercap</a:t>
+            </a:r>
+            <a:r>
+              <a:rPr lang="it-IT" sz="2000" b="0" strike="noStrike" spc="-1" dirty="0">
+                <a:solidFill>
+                  <a:srgbClr val="FFFFFF"/>
+                </a:solidFill>
+                <a:latin typeface="Century Gothic"/>
+              </a:rPr>
+              <a:t> </a:t>
+            </a:r>
+            <a:r>
+              <a:rPr lang="it-IT" sz="2000" b="0" strike="noStrike" spc="-1" dirty="0" err="1">
+                <a:solidFill>
+                  <a:srgbClr val="FFFFFF"/>
+                </a:solidFill>
+                <a:latin typeface="Century Gothic"/>
+              </a:rPr>
+              <a:t>is</a:t>
+            </a:r>
+            <a:r>
+              <a:rPr lang="it-IT" sz="2000" b="0" strike="noStrike" spc="-1" dirty="0">
+                <a:solidFill>
+                  <a:srgbClr val="FFFFFF"/>
+                </a:solidFill>
+                <a:latin typeface="Century Gothic"/>
+              </a:rPr>
+              <a:t> a </a:t>
+            </a:r>
+            <a:r>
+              <a:rPr lang="it-IT" sz="2000" b="0" strike="noStrike" spc="-1" dirty="0" err="1">
+                <a:solidFill>
+                  <a:srgbClr val="FFFFFF"/>
+                </a:solidFill>
+                <a:latin typeface="Century Gothic"/>
+              </a:rPr>
+              <a:t>well-known</a:t>
+            </a:r>
+            <a:r>
+              <a:rPr lang="it-IT" sz="2000" b="0" strike="noStrike" spc="-1" dirty="0">
+                <a:solidFill>
+                  <a:srgbClr val="FFFFFF"/>
+                </a:solidFill>
+                <a:latin typeface="Century Gothic"/>
+              </a:rPr>
+              <a:t> tool for MITM </a:t>
+            </a:r>
+            <a:r>
+              <a:rPr lang="it-IT" sz="2000" b="0" strike="noStrike" spc="-1" dirty="0" err="1">
+                <a:solidFill>
+                  <a:srgbClr val="FFFFFF"/>
+                </a:solidFill>
+                <a:latin typeface="Century Gothic"/>
+              </a:rPr>
+              <a:t>attacks</a:t>
+            </a:r>
+            <a:endParaRPr lang="en-US" sz="2000" b="0" strike="noStrike" spc="-1" dirty="0">
+              <a:latin typeface="Arial"/>
+            </a:endParaRPr>
+          </a:p>
+          <a:p>
+            <a:pPr>
+              <a:lnSpc>
+                <a:spcPct val="100000"/>
+              </a:lnSpc>
+              <a:spcBef>
+                <a:spcPts val="1001"/>
+              </a:spcBef>
+            </a:pPr>
+            <a:endParaRPr lang="en-US" sz="2000" b="0" strike="noStrike" spc="-1" dirty="0">
+              <a:latin typeface="Arial"/>
+            </a:endParaRPr>
+          </a:p>
+          <a:p>
+            <a:pPr marL="343080" indent="-342360">
+              <a:lnSpc>
+                <a:spcPct val="100000"/>
+              </a:lnSpc>
+              <a:spcBef>
+                <a:spcPts val="1001"/>
+              </a:spcBef>
+              <a:buClr>
+                <a:srgbClr val="8AD0D6"/>
+              </a:buClr>
+              <a:buSzPct val="80000"/>
+              <a:buFont typeface="Wingdings 3" charset="2"/>
+              <a:buChar char=""/>
+            </a:pPr>
+            <a:r>
+              <a:rPr lang="it-IT" sz="2000" b="0" strike="noStrike" spc="-1" dirty="0" err="1">
+                <a:solidFill>
+                  <a:srgbClr val="FFFFFF"/>
+                </a:solidFill>
+                <a:latin typeface="Century Gothic"/>
+              </a:rPr>
+              <a:t>We</a:t>
+            </a:r>
+            <a:r>
+              <a:rPr lang="it-IT" sz="2000" b="0" strike="noStrike" spc="-1" dirty="0">
+                <a:solidFill>
+                  <a:srgbClr val="FFFFFF"/>
+                </a:solidFill>
+                <a:latin typeface="Century Gothic"/>
+              </a:rPr>
+              <a:t> </a:t>
+            </a:r>
+            <a:r>
+              <a:rPr lang="it-IT" sz="2000" b="0" strike="noStrike" spc="-1" dirty="0" err="1">
+                <a:solidFill>
+                  <a:srgbClr val="FFFFFF"/>
+                </a:solidFill>
+                <a:latin typeface="Century Gothic"/>
+              </a:rPr>
+              <a:t>will</a:t>
+            </a:r>
+            <a:r>
+              <a:rPr lang="it-IT" sz="2000" b="0" strike="noStrike" spc="-1" dirty="0">
+                <a:solidFill>
+                  <a:srgbClr val="FFFFFF"/>
+                </a:solidFill>
+                <a:latin typeface="Century Gothic"/>
+              </a:rPr>
+              <a:t> focus on ARP and </a:t>
+            </a:r>
+            <a:r>
+              <a:rPr lang="en-US" sz="2000" spc="-1" dirty="0">
+                <a:solidFill>
+                  <a:srgbClr val="FFFFFF"/>
+                </a:solidFill>
+                <a:latin typeface="Arial"/>
+              </a:rPr>
+              <a:t>DNS </a:t>
+            </a:r>
+            <a:r>
+              <a:rPr lang="it-IT" sz="2000" b="0" strike="noStrike" spc="-1" dirty="0" err="1">
+                <a:solidFill>
+                  <a:srgbClr val="FFFFFF"/>
+                </a:solidFill>
+                <a:latin typeface="Century Gothic"/>
+              </a:rPr>
+              <a:t>spoofin</a:t>
+            </a:r>
+            <a:r>
+              <a:rPr lang="en-US" sz="2000" spc="-1" dirty="0">
+                <a:solidFill>
+                  <a:srgbClr val="FFFFFF"/>
+                </a:solidFill>
+                <a:latin typeface="Arial"/>
+              </a:rPr>
+              <a:t>g attacks</a:t>
+            </a:r>
+          </a:p>
+          <a:p>
+            <a:pPr marL="343080" indent="-342360">
+              <a:lnSpc>
+                <a:spcPct val="100000"/>
+              </a:lnSpc>
+              <a:spcBef>
+                <a:spcPts val="1001"/>
+              </a:spcBef>
+              <a:buClr>
+                <a:srgbClr val="8AD0D6"/>
+              </a:buClr>
+              <a:buSzPct val="80000"/>
+              <a:buFont typeface="Wingdings 3" charset="2"/>
+              <a:buChar char=""/>
+            </a:pPr>
+            <a:endParaRPr lang="en-US" sz="2000" b="0" strike="noStrike" spc="-1" dirty="0">
+              <a:solidFill>
+                <a:srgbClr val="FFFFFF"/>
+              </a:solidFill>
+              <a:latin typeface="Arial"/>
+            </a:endParaRPr>
+          </a:p>
+          <a:p>
+            <a:pPr marL="343080" indent="-342360">
+              <a:lnSpc>
+                <a:spcPct val="100000"/>
+              </a:lnSpc>
+              <a:spcBef>
+                <a:spcPts val="1001"/>
+              </a:spcBef>
+              <a:buClr>
+                <a:srgbClr val="8AD0D6"/>
+              </a:buClr>
+              <a:buSzPct val="80000"/>
+              <a:buFont typeface="Wingdings 3" charset="2"/>
+              <a:buChar char=""/>
+            </a:pPr>
+            <a:r>
+              <a:rPr lang="en-US" sz="2000" spc="-1" dirty="0">
+                <a:solidFill>
+                  <a:srgbClr val="FFFFFF"/>
+                </a:solidFill>
+                <a:latin typeface="Arial"/>
+              </a:rPr>
+              <a:t>Install Ettercap using the </a:t>
+            </a:r>
+            <a:r>
+              <a:rPr lang="en-US" sz="2000" spc="-1">
+                <a:solidFill>
+                  <a:srgbClr val="FFFFFF"/>
+                </a:solidFill>
+                <a:latin typeface="Arial"/>
+              </a:rPr>
+              <a:t>following command</a:t>
+            </a:r>
+            <a:endParaRPr lang="en-US" sz="2000" spc="-1" dirty="0">
+              <a:solidFill>
+                <a:srgbClr val="FFFFFF"/>
+              </a:solidFill>
+              <a:latin typeface="Arial"/>
+            </a:endParaRPr>
+          </a:p>
+          <a:p>
+            <a:pPr marL="1257480" lvl="2" indent="-342360">
+              <a:spcBef>
+                <a:spcPts val="1001"/>
+              </a:spcBef>
+              <a:buClr>
+                <a:srgbClr val="8AD0D6"/>
+              </a:buClr>
+              <a:buSzPct val="80000"/>
+              <a:buFont typeface="Wingdings 3" charset="2"/>
+              <a:buChar char=""/>
+            </a:pPr>
+            <a:r>
+              <a:rPr lang="en-US" sz="2000" strike="noStrike" spc="-1" dirty="0" err="1">
+                <a:solidFill>
+                  <a:srgbClr val="FFFFFF"/>
+                </a:solidFill>
+                <a:latin typeface="Arial"/>
+              </a:rPr>
+              <a:t>sudo</a:t>
+            </a:r>
+            <a:r>
+              <a:rPr lang="en-US" sz="2000" strike="noStrike" spc="-1" dirty="0">
+                <a:solidFill>
+                  <a:srgbClr val="FFFFFF"/>
+                </a:solidFill>
+                <a:latin typeface="Arial"/>
+              </a:rPr>
+              <a:t> apt install </a:t>
+            </a:r>
+            <a:r>
+              <a:rPr lang="en-US" sz="2000" strike="noStrike" spc="-1" dirty="0" err="1">
+                <a:solidFill>
+                  <a:srgbClr val="FFFFFF"/>
+                </a:solidFill>
+                <a:latin typeface="Arial"/>
+              </a:rPr>
+              <a:t>ettercap</a:t>
+            </a:r>
+            <a:r>
+              <a:rPr lang="en-US" sz="2000" strike="noStrike" spc="-1" dirty="0">
+                <a:solidFill>
+                  <a:srgbClr val="FFFFFF"/>
+                </a:solidFill>
+                <a:latin typeface="Arial"/>
+              </a:rPr>
+              <a:t>-text-only</a:t>
+            </a:r>
+            <a:endParaRPr lang="it-IT" sz="2000" strike="noStrike" spc="-1" dirty="0">
+              <a:solidFill>
+                <a:srgbClr val="FFFFFF"/>
+              </a:solidFill>
+              <a:latin typeface="Century Gothic"/>
+            </a:endParaRPr>
+          </a:p>
+        </p:txBody>
+      </p:sp>
     </p:spTree>
   </p:cSld>
   <p:clrMapOvr>

--- a/esercitazioni/Laboratory_22-23/Session_6/Lab_06_Slides.pptx
+++ b/esercitazioni/Laboratory_22-23/Session_6/Lab_06_Slides.pptx
@@ -7,10 +7,10 @@
   <p:sldIdLst>
     <p:sldId id="256" r:id="rId2"/>
     <p:sldId id="257" r:id="rId3"/>
-    <p:sldId id="258" r:id="rId4"/>
-    <p:sldId id="262" r:id="rId5"/>
-    <p:sldId id="260" r:id="rId6"/>
-    <p:sldId id="261" r:id="rId7"/>
+    <p:sldId id="262" r:id="rId4"/>
+    <p:sldId id="260" r:id="rId5"/>
+    <p:sldId id="261" r:id="rId6"/>
+    <p:sldId id="258" r:id="rId7"/>
     <p:sldId id="259" r:id="rId8"/>
   </p:sldIdLst>
   <p:sldSz cx="12192000" cy="6858000"/>
@@ -7242,7 +7242,7 @@
       </p:grpSpPr>
       <p:sp>
         <p:nvSpPr>
-          <p:cNvPr id="137" name="CustomShape 1"/>
+          <p:cNvPr id="141" name="CustomShape 1"/>
           <p:cNvSpPr/>
           <p:nvPr/>
         </p:nvSpPr>
@@ -7283,15 +7283,15 @@
               </a:lnSpc>
             </a:pPr>
             <a:r>
-              <a:rPr lang="it-IT" sz="4200" b="0" strike="noStrike" spc="-1">
+              <a:rPr lang="it-IT" sz="4200" b="0" strike="noStrike" spc="-1" dirty="0">
                 <a:solidFill>
                   <a:srgbClr val="EBEBEB"/>
                 </a:solidFill>
                 <a:latin typeface="Century Gothic"/>
               </a:rPr>
-              <a:t>Man In The Middle (MITM)</a:t>
-            </a:r>
-            <a:endParaRPr lang="en-US" sz="4200" b="0" strike="noStrike" spc="-1">
+              <a:t>DNS Spoofing</a:t>
+            </a:r>
+            <a:endParaRPr lang="en-US" sz="4200" b="0" strike="noStrike" spc="-1" dirty="0">
               <a:latin typeface="Arial"/>
             </a:endParaRPr>
           </a:p>
@@ -7299,7 +7299,7 @@
       </p:sp>
       <p:sp>
         <p:nvSpPr>
-          <p:cNvPr id="138" name="CustomShape 2"/>
+          <p:cNvPr id="142" name="CustomShape 2"/>
           <p:cNvSpPr/>
           <p:nvPr/>
         </p:nvSpPr>
@@ -7349,93 +7349,14 @@
               <a:buChar char=""/>
             </a:pPr>
             <a:r>
-              <a:rPr lang="it-IT" sz="2000" b="0" strike="noStrike" spc="-1" dirty="0" err="1">
-                <a:solidFill>
-                  <a:srgbClr val="FFFFFF"/>
-                </a:solidFill>
-                <a:latin typeface="Century Gothic"/>
-              </a:rPr>
-              <a:t>All</a:t>
-            </a:r>
-            <a:r>
-              <a:rPr lang="it-IT" sz="2000" b="0" strike="noStrike" spc="-1" dirty="0">
-                <a:solidFill>
-                  <a:srgbClr val="FFFFFF"/>
-                </a:solidFill>
-                <a:latin typeface="Century Gothic"/>
-              </a:rPr>
-              <a:t> the </a:t>
-            </a:r>
-            <a:r>
-              <a:rPr lang="it-IT" sz="2000" b="0" strike="noStrike" spc="-1" dirty="0" err="1">
-                <a:solidFill>
-                  <a:srgbClr val="FFFFFF"/>
-                </a:solidFill>
-                <a:latin typeface="Century Gothic"/>
-              </a:rPr>
-              <a:t>attacks</a:t>
-            </a:r>
-            <a:r>
-              <a:rPr lang="it-IT" sz="2000" b="0" strike="noStrike" spc="-1" dirty="0">
-                <a:solidFill>
-                  <a:srgbClr val="FFFFFF"/>
-                </a:solidFill>
-                <a:latin typeface="Century Gothic"/>
-              </a:rPr>
-              <a:t> </a:t>
-            </a:r>
-            <a:r>
-              <a:rPr lang="it-IT" sz="2000" b="0" strike="noStrike" spc="-1" dirty="0" err="1">
-                <a:solidFill>
-                  <a:srgbClr val="FFFFFF"/>
-                </a:solidFill>
-                <a:latin typeface="Century Gothic"/>
-              </a:rPr>
-              <a:t>we</a:t>
-            </a:r>
-            <a:r>
-              <a:rPr lang="it-IT" sz="2000" b="0" strike="noStrike" spc="-1" dirty="0">
-                <a:solidFill>
-                  <a:srgbClr val="FFFFFF"/>
-                </a:solidFill>
-                <a:latin typeface="Century Gothic"/>
-              </a:rPr>
-              <a:t> </a:t>
-            </a:r>
-            <a:r>
-              <a:rPr lang="it-IT" sz="2000" b="0" strike="noStrike" spc="-1" dirty="0" err="1">
-                <a:solidFill>
-                  <a:srgbClr val="FFFFFF"/>
-                </a:solidFill>
-                <a:latin typeface="Century Gothic"/>
-              </a:rPr>
-              <a:t>built</a:t>
-            </a:r>
-            <a:r>
-              <a:rPr lang="it-IT" sz="2000" b="0" strike="noStrike" spc="-1" dirty="0">
-                <a:solidFill>
-                  <a:srgbClr val="FFFFFF"/>
-                </a:solidFill>
-                <a:latin typeface="Century Gothic"/>
-              </a:rPr>
-              <a:t> so far are part of MITM</a:t>
-            </a:r>
-            <a:endParaRPr lang="en-US" sz="2000" b="0" strike="noStrike" spc="-1" dirty="0">
-              <a:latin typeface="Arial"/>
-            </a:endParaRPr>
-          </a:p>
-          <a:p>
-            <a:pPr>
-              <a:lnSpc>
-                <a:spcPct val="100000"/>
-              </a:lnSpc>
-              <a:spcBef>
-                <a:spcPts val="1001"/>
-              </a:spcBef>
-            </a:pPr>
-            <a:endParaRPr lang="en-US" sz="2000" b="0" strike="noStrike" spc="-1" dirty="0">
-              <a:latin typeface="Arial"/>
-            </a:endParaRPr>
+              <a:rPr lang="en-US" sz="2000" b="0" strike="noStrike" spc="-1" dirty="0">
+                <a:solidFill>
+                  <a:srgbClr val="FFFFFF"/>
+                </a:solidFill>
+                <a:latin typeface="Century Gothic"/>
+              </a:rPr>
+              <a:t>DNS cache poisoning (or DNS Spoofing), is a form of computer security hacking in which corrupt Domain Name System data is introduced into the DNS resolver's cache</a:t>
+            </a:r>
           </a:p>
           <a:p>
             <a:pPr marL="343080" indent="-342360">
@@ -7452,237 +7373,11 @@
               <a:buFont typeface="Wingdings 3" charset="2"/>
               <a:buChar char=""/>
             </a:pPr>
-            <a:r>
-              <a:rPr lang="it-IT" sz="2000" b="0" strike="noStrike" spc="-1" dirty="0">
-                <a:solidFill>
-                  <a:srgbClr val="FFFFFF"/>
-                </a:solidFill>
-                <a:latin typeface="Century Gothic"/>
-              </a:rPr>
-              <a:t>A MITM </a:t>
-            </a:r>
-            <a:r>
-              <a:rPr lang="it-IT" sz="2000" b="0" strike="noStrike" spc="-1" dirty="0" err="1">
-                <a:solidFill>
-                  <a:srgbClr val="FFFFFF"/>
-                </a:solidFill>
-                <a:latin typeface="Century Gothic"/>
-              </a:rPr>
-              <a:t>is</a:t>
-            </a:r>
-            <a:r>
-              <a:rPr lang="it-IT" sz="2000" b="0" strike="noStrike" spc="-1" dirty="0">
-                <a:solidFill>
-                  <a:srgbClr val="FFFFFF"/>
-                </a:solidFill>
-                <a:latin typeface="Century Gothic"/>
-              </a:rPr>
-              <a:t> a </a:t>
-            </a:r>
-            <a:r>
-              <a:rPr lang="it-IT" sz="2000" b="0" strike="noStrike" spc="-1" dirty="0" err="1">
-                <a:solidFill>
-                  <a:srgbClr val="FFFFFF"/>
-                </a:solidFill>
-                <a:latin typeface="Century Gothic"/>
-              </a:rPr>
-              <a:t>type</a:t>
-            </a:r>
-            <a:r>
-              <a:rPr lang="it-IT" sz="2000" b="0" strike="noStrike" spc="-1" dirty="0">
-                <a:solidFill>
-                  <a:srgbClr val="FFFFFF"/>
-                </a:solidFill>
-                <a:latin typeface="Century Gothic"/>
-              </a:rPr>
-              <a:t> of </a:t>
-            </a:r>
-            <a:r>
-              <a:rPr lang="it-IT" sz="2000" b="0" strike="noStrike" spc="-1" dirty="0" err="1">
-                <a:solidFill>
-                  <a:srgbClr val="FFFFFF"/>
-                </a:solidFill>
-                <a:latin typeface="Century Gothic"/>
-              </a:rPr>
-              <a:t>attack</a:t>
-            </a:r>
-            <a:r>
-              <a:rPr lang="it-IT" sz="2000" b="0" strike="noStrike" spc="-1" dirty="0">
-                <a:solidFill>
-                  <a:srgbClr val="FFFFFF"/>
-                </a:solidFill>
-                <a:latin typeface="Century Gothic"/>
-              </a:rPr>
-              <a:t> in </a:t>
-            </a:r>
-            <a:r>
-              <a:rPr lang="it-IT" sz="2000" b="0" strike="noStrike" spc="-1" dirty="0" err="1">
-                <a:solidFill>
-                  <a:srgbClr val="FFFFFF"/>
-                </a:solidFill>
-                <a:latin typeface="Century Gothic"/>
-              </a:rPr>
-              <a:t>which</a:t>
-            </a:r>
-            <a:r>
-              <a:rPr lang="it-IT" sz="2000" b="0" strike="noStrike" spc="-1" dirty="0">
-                <a:solidFill>
-                  <a:srgbClr val="FFFFFF"/>
-                </a:solidFill>
-                <a:latin typeface="Century Gothic"/>
-              </a:rPr>
-              <a:t> an Host </a:t>
-            </a:r>
-            <a:r>
-              <a:rPr lang="it-IT" sz="2000" b="0" strike="noStrike" spc="-1" dirty="0" err="1">
-                <a:solidFill>
-                  <a:srgbClr val="FFFFFF"/>
-                </a:solidFill>
-                <a:latin typeface="Century Gothic"/>
-              </a:rPr>
-              <a:t>is</a:t>
-            </a:r>
-            <a:r>
-              <a:rPr lang="it-IT" sz="2000" b="0" strike="noStrike" spc="-1" dirty="0">
-                <a:solidFill>
-                  <a:srgbClr val="FFFFFF"/>
-                </a:solidFill>
-                <a:latin typeface="Century Gothic"/>
-              </a:rPr>
-              <a:t> </a:t>
-            </a:r>
-            <a:r>
-              <a:rPr lang="it-IT" sz="2000" b="0" strike="noStrike" spc="-1" dirty="0" err="1">
-                <a:solidFill>
-                  <a:srgbClr val="FFFFFF"/>
-                </a:solidFill>
-                <a:latin typeface="Century Gothic"/>
-              </a:rPr>
-              <a:t>able</a:t>
-            </a:r>
-            <a:r>
-              <a:rPr lang="it-IT" sz="2000" b="0" strike="noStrike" spc="-1" dirty="0">
-                <a:solidFill>
-                  <a:srgbClr val="FFFFFF"/>
-                </a:solidFill>
-                <a:latin typeface="Century Gothic"/>
-              </a:rPr>
-              <a:t> to </a:t>
-            </a:r>
-            <a:r>
-              <a:rPr lang="it-IT" sz="2000" b="0" strike="noStrike" spc="-1" dirty="0" err="1">
-                <a:solidFill>
-                  <a:srgbClr val="FFFFFF"/>
-                </a:solidFill>
-                <a:latin typeface="Century Gothic"/>
-              </a:rPr>
-              <a:t>capture</a:t>
-            </a:r>
-            <a:r>
-              <a:rPr lang="it-IT" sz="2000" b="0" strike="noStrike" spc="-1" dirty="0">
-                <a:solidFill>
-                  <a:srgbClr val="FFFFFF"/>
-                </a:solidFill>
-                <a:latin typeface="Century Gothic"/>
-              </a:rPr>
-              <a:t>, </a:t>
-            </a:r>
-            <a:r>
-              <a:rPr lang="it-IT" sz="2000" b="0" strike="noStrike" spc="-1" dirty="0" err="1">
-                <a:solidFill>
-                  <a:srgbClr val="FFFFFF"/>
-                </a:solidFill>
-                <a:latin typeface="Century Gothic"/>
-              </a:rPr>
-              <a:t>read</a:t>
-            </a:r>
-            <a:r>
-              <a:rPr lang="it-IT" sz="2000" b="0" strike="noStrike" spc="-1" dirty="0">
-                <a:solidFill>
-                  <a:srgbClr val="FFFFFF"/>
-                </a:solidFill>
-                <a:latin typeface="Century Gothic"/>
-              </a:rPr>
-              <a:t> and </a:t>
-            </a:r>
-            <a:r>
-              <a:rPr lang="it-IT" sz="2000" b="0" strike="noStrike" spc="-1" dirty="0" err="1">
-                <a:solidFill>
-                  <a:srgbClr val="FFFFFF"/>
-                </a:solidFill>
-                <a:latin typeface="Century Gothic"/>
-              </a:rPr>
-              <a:t>forward</a:t>
-            </a:r>
-            <a:r>
-              <a:rPr lang="it-IT" sz="2000" b="0" strike="noStrike" spc="-1" dirty="0">
-                <a:solidFill>
-                  <a:srgbClr val="FFFFFF"/>
-                </a:solidFill>
-                <a:latin typeface="Century Gothic"/>
-              </a:rPr>
-              <a:t> </a:t>
-            </a:r>
-            <a:r>
-              <a:rPr lang="it-IT" sz="2000" b="0" strike="noStrike" spc="-1" dirty="0" err="1">
-                <a:solidFill>
-                  <a:srgbClr val="FFFFFF"/>
-                </a:solidFill>
-                <a:latin typeface="Century Gothic"/>
-              </a:rPr>
-              <a:t>packets</a:t>
-            </a:r>
-            <a:r>
-              <a:rPr lang="it-IT" sz="2000" b="0" strike="noStrike" spc="-1" dirty="0">
-                <a:solidFill>
-                  <a:srgbClr val="FFFFFF"/>
-                </a:solidFill>
-                <a:latin typeface="Century Gothic"/>
-              </a:rPr>
-              <a:t> of </a:t>
-            </a:r>
-            <a:r>
-              <a:rPr lang="it-IT" sz="2000" b="0" strike="noStrike" spc="-1" dirty="0" err="1">
-                <a:solidFill>
-                  <a:srgbClr val="FFFFFF"/>
-                </a:solidFill>
-                <a:latin typeface="Century Gothic"/>
-              </a:rPr>
-              <a:t>other</a:t>
-            </a:r>
-            <a:r>
-              <a:rPr lang="it-IT" sz="2000" b="0" strike="noStrike" spc="-1" dirty="0">
-                <a:solidFill>
-                  <a:srgbClr val="FFFFFF"/>
-                </a:solidFill>
-                <a:latin typeface="Century Gothic"/>
-              </a:rPr>
-              <a:t> </a:t>
-            </a:r>
-            <a:r>
-              <a:rPr lang="it-IT" sz="2000" b="0" strike="noStrike" spc="-1" dirty="0" err="1">
-                <a:solidFill>
-                  <a:srgbClr val="FFFFFF"/>
-                </a:solidFill>
-                <a:latin typeface="Century Gothic"/>
-              </a:rPr>
-              <a:t>hosts</a:t>
-            </a:r>
-            <a:endParaRPr lang="en-US" sz="2000" b="0" strike="noStrike" spc="-1" dirty="0">
-              <a:latin typeface="Arial"/>
-            </a:endParaRPr>
-          </a:p>
-          <a:p>
-            <a:pPr>
-              <a:lnSpc>
-                <a:spcPct val="100000"/>
-              </a:lnSpc>
-              <a:spcBef>
-                <a:spcPts val="1001"/>
-              </a:spcBef>
-            </a:pPr>
-            <a:endParaRPr lang="en-US" sz="2000" b="0" strike="noStrike" spc="-1" dirty="0">
-              <a:latin typeface="Arial"/>
+            <a:endParaRPr lang="en-US" sz="2000" spc="-1" dirty="0">
+              <a:solidFill>
+                <a:srgbClr val="FFFFFF"/>
+              </a:solidFill>
+              <a:latin typeface="Century Gothic"/>
             </a:endParaRPr>
           </a:p>
           <a:p>
@@ -7701,104 +7396,77 @@
               <a:buChar char=""/>
             </a:pPr>
             <a:r>
-              <a:rPr lang="it-IT" sz="2000" b="0" strike="noStrike" spc="-1" dirty="0" err="1">
-                <a:solidFill>
-                  <a:srgbClr val="FFFFFF"/>
-                </a:solidFill>
-                <a:latin typeface="Century Gothic"/>
-              </a:rPr>
-              <a:t>We</a:t>
-            </a:r>
-            <a:r>
-              <a:rPr lang="it-IT" sz="2000" b="0" strike="noStrike" spc="-1" dirty="0">
-                <a:solidFill>
-                  <a:srgbClr val="FFFFFF"/>
-                </a:solidFill>
-                <a:latin typeface="Century Gothic"/>
-              </a:rPr>
-              <a:t> </a:t>
-            </a:r>
-            <a:r>
-              <a:rPr lang="it-IT" sz="2000" b="0" strike="noStrike" spc="-1" dirty="0" err="1">
-                <a:solidFill>
-                  <a:srgbClr val="FFFFFF"/>
-                </a:solidFill>
-                <a:latin typeface="Century Gothic"/>
-              </a:rPr>
-              <a:t>will</a:t>
-            </a:r>
-            <a:r>
-              <a:rPr lang="it-IT" sz="2000" b="0" strike="noStrike" spc="-1" dirty="0">
-                <a:solidFill>
-                  <a:srgbClr val="FFFFFF"/>
-                </a:solidFill>
-                <a:latin typeface="Century Gothic"/>
-              </a:rPr>
-              <a:t> </a:t>
-            </a:r>
-            <a:r>
-              <a:rPr lang="it-IT" sz="2000" b="0" strike="noStrike" spc="-1" dirty="0" err="1">
-                <a:solidFill>
-                  <a:srgbClr val="FFFFFF"/>
-                </a:solidFill>
-                <a:latin typeface="Century Gothic"/>
-              </a:rPr>
-              <a:t>try</a:t>
-            </a:r>
-            <a:r>
-              <a:rPr lang="it-IT" sz="2000" b="0" strike="noStrike" spc="-1" dirty="0">
-                <a:solidFill>
-                  <a:srgbClr val="FFFFFF"/>
-                </a:solidFill>
-                <a:latin typeface="Century Gothic"/>
-              </a:rPr>
-              <a:t> to create a full-duplex MITM, </a:t>
-            </a:r>
-            <a:r>
-              <a:rPr lang="it-IT" sz="2000" b="0" strike="noStrike" spc="-1" dirty="0" err="1">
-                <a:solidFill>
-                  <a:srgbClr val="FFFFFF"/>
-                </a:solidFill>
-                <a:latin typeface="Century Gothic"/>
-              </a:rPr>
-              <a:t>based</a:t>
-            </a:r>
-            <a:r>
-              <a:rPr lang="it-IT" sz="2000" b="0" strike="noStrike" spc="-1" dirty="0">
-                <a:solidFill>
-                  <a:srgbClr val="FFFFFF"/>
-                </a:solidFill>
-                <a:latin typeface="Century Gothic"/>
-              </a:rPr>
-              <a:t> on ARP Spoofing, </a:t>
-            </a:r>
-            <a:r>
-              <a:rPr lang="it-IT" sz="2000" b="0" strike="noStrike" spc="-1" dirty="0" err="1">
-                <a:solidFill>
-                  <a:srgbClr val="FFFFFF"/>
-                </a:solidFill>
-                <a:latin typeface="Century Gothic"/>
-              </a:rPr>
-              <a:t>using</a:t>
-            </a:r>
-            <a:r>
-              <a:rPr lang="it-IT" sz="2000" b="0" strike="noStrike" spc="-1" dirty="0">
-                <a:solidFill>
-                  <a:srgbClr val="FFFFFF"/>
-                </a:solidFill>
-                <a:latin typeface="Century Gothic"/>
-              </a:rPr>
-              <a:t> </a:t>
-            </a:r>
-            <a:r>
-              <a:rPr lang="it-IT" sz="2000" b="0" strike="noStrike" spc="-1" dirty="0" err="1">
-                <a:solidFill>
-                  <a:srgbClr val="FFFFFF"/>
-                </a:solidFill>
-                <a:latin typeface="Century Gothic"/>
-              </a:rPr>
-              <a:t>ettercap</a:t>
-            </a:r>
+              <a:rPr lang="en-US" sz="2000" b="0" strike="noStrike" spc="-1" dirty="0">
+                <a:solidFill>
+                  <a:srgbClr val="FFFFFF"/>
+                </a:solidFill>
+                <a:latin typeface="Century Gothic"/>
+              </a:rPr>
+              <a:t>It causes the name server to return an incorrect result record (for example, an wrong IP address)</a:t>
+            </a:r>
+          </a:p>
+          <a:p>
+            <a:pPr marL="343080" indent="-342360">
+              <a:lnSpc>
+                <a:spcPct val="100000"/>
+              </a:lnSpc>
+              <a:spcBef>
+                <a:spcPts val="1001"/>
+              </a:spcBef>
+              <a:buClr>
+                <a:srgbClr val="8AD0D6"/>
+              </a:buClr>
+              <a:buSzPct val="80000"/>
+              <a:buFont typeface="Wingdings 3" charset="2"/>
+              <a:buChar char=""/>
+            </a:pPr>
+            <a:endParaRPr lang="en-US" sz="2000" spc="-1" dirty="0">
+              <a:solidFill>
+                <a:srgbClr val="FFFFFF"/>
+              </a:solidFill>
+              <a:latin typeface="Century Gothic"/>
+            </a:endParaRPr>
+          </a:p>
+          <a:p>
+            <a:pPr marL="343080" indent="-342360">
+              <a:lnSpc>
+                <a:spcPct val="100000"/>
+              </a:lnSpc>
+              <a:spcBef>
+                <a:spcPts val="1001"/>
+              </a:spcBef>
+              <a:buClr>
+                <a:srgbClr val="8AD0D6"/>
+              </a:buClr>
+              <a:buSzPct val="80000"/>
+              <a:buFont typeface="Wingdings 3" charset="2"/>
+              <a:buChar char=""/>
+            </a:pPr>
+            <a:r>
+              <a:rPr lang="en-US" sz="2000" b="0" strike="noStrike" spc="-1" dirty="0">
+                <a:solidFill>
+                  <a:srgbClr val="FFFFFF"/>
+                </a:solidFill>
+                <a:latin typeface="Century Gothic"/>
+              </a:rPr>
+              <a:t>All the traffic is diverted to the attacker's computer (or to any other computer)</a:t>
+            </a:r>
+            <a:endParaRPr lang="it-IT" sz="2000" b="0" strike="noStrike" spc="-1" dirty="0">
+              <a:solidFill>
+                <a:srgbClr val="FFFFFF"/>
+              </a:solidFill>
+              <a:latin typeface="Century Gothic"/>
+            </a:endParaRPr>
+          </a:p>
+          <a:p>
+            <a:pPr>
+              <a:lnSpc>
+                <a:spcPct val="100000"/>
+              </a:lnSpc>
+              <a:spcBef>
+                <a:spcPts val="1001"/>
+              </a:spcBef>
+            </a:pPr>
             <a:endParaRPr lang="en-US" sz="2000" b="0" strike="noStrike" spc="-1" dirty="0">
               <a:latin typeface="Arial"/>
             </a:endParaRPr>
@@ -7806,6 +7474,11 @@
         </p:txBody>
       </p:sp>
     </p:spTree>
+    <p:extLst>
+      <p:ext uri="{BB962C8B-B14F-4D97-AF65-F5344CB8AC3E}">
+        <p14:creationId xmlns:p14="http://schemas.microsoft.com/office/powerpoint/2010/main" val="860726749"/>
+      </p:ext>
+    </p:extLst>
   </p:cSld>
   <p:clrMapOvr>
     <a:masterClrMapping/>
@@ -7873,15 +7546,15 @@
               </a:lnSpc>
             </a:pPr>
             <a:r>
-              <a:rPr lang="it-IT" sz="4200" b="0" strike="noStrike" spc="-1" dirty="0">
+              <a:rPr lang="it-IT" sz="4200" b="0" strike="noStrike" spc="-1">
                 <a:solidFill>
                   <a:srgbClr val="EBEBEB"/>
                 </a:solidFill>
                 <a:latin typeface="Century Gothic"/>
               </a:rPr>
-              <a:t>DNS Spoofing</a:t>
-            </a:r>
-            <a:endParaRPr lang="en-US" sz="4200" b="0" strike="noStrike" spc="-1" dirty="0">
+              <a:t>DHCP Spoofing</a:t>
+            </a:r>
+            <a:endParaRPr lang="en-US" sz="4200" b="0" strike="noStrike" spc="-1">
               <a:latin typeface="Arial"/>
             </a:endParaRPr>
           </a:p>
@@ -7939,14 +7612,111 @@
               <a:buChar char=""/>
             </a:pPr>
             <a:r>
-              <a:rPr lang="en-US" sz="2000" b="0" strike="noStrike" spc="-1" dirty="0">
-                <a:solidFill>
-                  <a:srgbClr val="FFFFFF"/>
-                </a:solidFill>
-                <a:latin typeface="Century Gothic"/>
-              </a:rPr>
-              <a:t>DNS cache poisoning (or DNS Spoofing), is a form of computer security hacking in which corrupt Domain Name System data is introduced into the DNS resolver's cache</a:t>
-            </a:r>
+              <a:rPr lang="it-IT" sz="2000" b="0" strike="noStrike" spc="-1" dirty="0">
+                <a:solidFill>
+                  <a:srgbClr val="FFFFFF"/>
+                </a:solidFill>
+                <a:latin typeface="Century Gothic"/>
+              </a:rPr>
+              <a:t>DHCP Spoofing </a:t>
+            </a:r>
+            <a:r>
+              <a:rPr lang="it-IT" sz="2000" b="0" strike="noStrike" spc="-1" dirty="0" err="1">
+                <a:solidFill>
+                  <a:srgbClr val="FFFFFF"/>
+                </a:solidFill>
+                <a:latin typeface="Century Gothic"/>
+              </a:rPr>
+              <a:t>attack</a:t>
+            </a:r>
+            <a:r>
+              <a:rPr lang="it-IT" sz="2000" b="0" strike="noStrike" spc="-1" dirty="0">
+                <a:solidFill>
+                  <a:srgbClr val="FFFFFF"/>
+                </a:solidFill>
+                <a:latin typeface="Century Gothic"/>
+              </a:rPr>
+              <a:t> </a:t>
+            </a:r>
+            <a:r>
+              <a:rPr lang="it-IT" sz="2000" b="0" strike="noStrike" spc="-1" dirty="0" err="1">
+                <a:solidFill>
+                  <a:srgbClr val="FFFFFF"/>
+                </a:solidFill>
+                <a:latin typeface="Century Gothic"/>
+              </a:rPr>
+              <a:t>is</a:t>
+            </a:r>
+            <a:r>
+              <a:rPr lang="it-IT" sz="2000" b="0" strike="noStrike" spc="-1" dirty="0">
+                <a:solidFill>
+                  <a:srgbClr val="FFFFFF"/>
+                </a:solidFill>
+                <a:latin typeface="Century Gothic"/>
+              </a:rPr>
+              <a:t> the </a:t>
+            </a:r>
+            <a:r>
+              <a:rPr lang="it-IT" sz="2000" b="0" strike="noStrike" spc="-1" dirty="0" err="1">
+                <a:solidFill>
+                  <a:srgbClr val="FFFFFF"/>
+                </a:solidFill>
+                <a:latin typeface="Century Gothic"/>
+              </a:rPr>
+              <a:t>most</a:t>
+            </a:r>
+            <a:r>
+              <a:rPr lang="it-IT" sz="2000" b="0" strike="noStrike" spc="-1" dirty="0">
+                <a:solidFill>
+                  <a:srgbClr val="FFFFFF"/>
+                </a:solidFill>
+                <a:latin typeface="Century Gothic"/>
+              </a:rPr>
+              <a:t> </a:t>
+            </a:r>
+            <a:r>
+              <a:rPr lang="it-IT" sz="2000" b="0" strike="noStrike" spc="-1" dirty="0" err="1">
+                <a:solidFill>
+                  <a:srgbClr val="FFFFFF"/>
+                </a:solidFill>
+                <a:latin typeface="Century Gothic"/>
+              </a:rPr>
+              <a:t>relyable</a:t>
+            </a:r>
+            <a:r>
+              <a:rPr lang="it-IT" sz="2000" b="0" strike="noStrike" spc="-1" dirty="0">
+                <a:solidFill>
+                  <a:srgbClr val="FFFFFF"/>
+                </a:solidFill>
+                <a:latin typeface="Century Gothic"/>
+              </a:rPr>
+              <a:t> MITM </a:t>
+            </a:r>
+            <a:r>
+              <a:rPr lang="it-IT" sz="2000" b="0" strike="noStrike" spc="-1" dirty="0" err="1">
+                <a:solidFill>
+                  <a:srgbClr val="FFFFFF"/>
+                </a:solidFill>
+                <a:latin typeface="Century Gothic"/>
+              </a:rPr>
+              <a:t>attack</a:t>
+            </a:r>
+            <a:endParaRPr lang="en-US" sz="2000" b="0" strike="noStrike" spc="-1" dirty="0">
+              <a:latin typeface="Arial"/>
+            </a:endParaRPr>
+          </a:p>
+          <a:p>
+            <a:pPr>
+              <a:lnSpc>
+                <a:spcPct val="100000"/>
+              </a:lnSpc>
+              <a:spcBef>
+                <a:spcPts val="1001"/>
+              </a:spcBef>
+            </a:pPr>
+            <a:endParaRPr lang="en-US" sz="2000" b="0" strike="noStrike" spc="-1" dirty="0">
+              <a:latin typeface="Arial"/>
+            </a:endParaRPr>
           </a:p>
           <a:p>
             <a:pPr marL="343080" indent="-342360">
@@ -7963,11 +7733,183 @@
               <a:buFont typeface="Wingdings 3" charset="2"/>
               <a:buChar char=""/>
             </a:pPr>
-            <a:endParaRPr lang="en-US" sz="2000" spc="-1" dirty="0">
-              <a:solidFill>
-                <a:srgbClr val="FFFFFF"/>
-              </a:solidFill>
-              <a:latin typeface="Century Gothic"/>
+            <a:r>
+              <a:rPr lang="it-IT" sz="2000" b="0" strike="noStrike" spc="-1" dirty="0">
+                <a:solidFill>
+                  <a:srgbClr val="FFFFFF"/>
+                </a:solidFill>
+                <a:latin typeface="Century Gothic"/>
+              </a:rPr>
+              <a:t>A </a:t>
+            </a:r>
+            <a:r>
+              <a:rPr lang="it-IT" sz="2000" b="0" strike="noStrike" spc="-1" dirty="0" err="1">
+                <a:solidFill>
+                  <a:srgbClr val="FFFFFF"/>
+                </a:solidFill>
+                <a:latin typeface="Century Gothic"/>
+              </a:rPr>
+              <a:t>victim</a:t>
+            </a:r>
+            <a:r>
+              <a:rPr lang="it-IT" sz="2000" b="0" strike="noStrike" spc="-1" dirty="0">
+                <a:solidFill>
+                  <a:srgbClr val="FFFFFF"/>
+                </a:solidFill>
+                <a:latin typeface="Century Gothic"/>
+              </a:rPr>
+              <a:t> </a:t>
+            </a:r>
+            <a:r>
+              <a:rPr lang="it-IT" sz="2000" b="0" strike="noStrike" spc="-1" dirty="0" err="1">
+                <a:solidFill>
+                  <a:srgbClr val="FFFFFF"/>
+                </a:solidFill>
+                <a:latin typeface="Century Gothic"/>
+              </a:rPr>
+              <a:t>will</a:t>
+            </a:r>
+            <a:r>
+              <a:rPr lang="it-IT" sz="2000" b="0" strike="noStrike" spc="-1" dirty="0">
+                <a:solidFill>
+                  <a:srgbClr val="FFFFFF"/>
+                </a:solidFill>
+                <a:latin typeface="Century Gothic"/>
+              </a:rPr>
+              <a:t> </a:t>
+            </a:r>
+            <a:r>
+              <a:rPr lang="it-IT" sz="2000" b="0" strike="noStrike" spc="-1" dirty="0" err="1">
+                <a:solidFill>
+                  <a:srgbClr val="FFFFFF"/>
+                </a:solidFill>
+                <a:latin typeface="Century Gothic"/>
+              </a:rPr>
+              <a:t>receive</a:t>
+            </a:r>
+            <a:r>
+              <a:rPr lang="it-IT" sz="2000" b="0" strike="noStrike" spc="-1" dirty="0">
+                <a:solidFill>
+                  <a:srgbClr val="FFFFFF"/>
+                </a:solidFill>
+                <a:latin typeface="Century Gothic"/>
+              </a:rPr>
+              <a:t> an IP </a:t>
+            </a:r>
+            <a:r>
+              <a:rPr lang="it-IT" sz="2000" b="0" strike="noStrike" spc="-1" dirty="0" err="1">
+                <a:solidFill>
+                  <a:srgbClr val="FFFFFF"/>
+                </a:solidFill>
+                <a:latin typeface="Century Gothic"/>
+              </a:rPr>
+              <a:t>address</a:t>
+            </a:r>
+            <a:r>
+              <a:rPr lang="it-IT" sz="2000" b="0" strike="noStrike" spc="-1" dirty="0">
+                <a:solidFill>
+                  <a:srgbClr val="FFFFFF"/>
+                </a:solidFill>
+                <a:latin typeface="Century Gothic"/>
+              </a:rPr>
+              <a:t> from the </a:t>
+            </a:r>
+            <a:r>
+              <a:rPr lang="it-IT" sz="2000" b="0" strike="noStrike" spc="-1" dirty="0" err="1">
+                <a:solidFill>
+                  <a:srgbClr val="FFFFFF"/>
+                </a:solidFill>
+                <a:latin typeface="Century Gothic"/>
+              </a:rPr>
+              <a:t>Rogue</a:t>
+            </a:r>
+            <a:r>
+              <a:rPr lang="it-IT" sz="2000" b="0" strike="noStrike" spc="-1" dirty="0">
+                <a:solidFill>
+                  <a:srgbClr val="FFFFFF"/>
+                </a:solidFill>
+                <a:latin typeface="Century Gothic"/>
+              </a:rPr>
+              <a:t> DHCP server and </a:t>
+            </a:r>
+            <a:r>
+              <a:rPr lang="it-IT" sz="2000" b="0" strike="noStrike" spc="-1" dirty="0" err="1">
+                <a:solidFill>
+                  <a:srgbClr val="FFFFFF"/>
+                </a:solidFill>
+                <a:latin typeface="Century Gothic"/>
+              </a:rPr>
+              <a:t>will</a:t>
+            </a:r>
+            <a:r>
+              <a:rPr lang="it-IT" sz="2000" b="0" strike="noStrike" spc="-1" dirty="0">
+                <a:solidFill>
+                  <a:srgbClr val="FFFFFF"/>
+                </a:solidFill>
+                <a:latin typeface="Century Gothic"/>
+              </a:rPr>
+              <a:t> be </a:t>
+            </a:r>
+            <a:r>
+              <a:rPr lang="it-IT" sz="2000" b="0" strike="noStrike" spc="-1" dirty="0" err="1">
+                <a:solidFill>
+                  <a:srgbClr val="FFFFFF"/>
+                </a:solidFill>
+                <a:latin typeface="Century Gothic"/>
+              </a:rPr>
+              <a:t>connected</a:t>
+            </a:r>
+            <a:r>
+              <a:rPr lang="it-IT" sz="2000" b="0" strike="noStrike" spc="-1" dirty="0">
+                <a:solidFill>
+                  <a:srgbClr val="FFFFFF"/>
+                </a:solidFill>
+                <a:latin typeface="Century Gothic"/>
+              </a:rPr>
+              <a:t> to </a:t>
+            </a:r>
+            <a:r>
+              <a:rPr lang="it-IT" sz="2000" b="0" strike="noStrike" spc="-1" dirty="0" err="1">
+                <a:solidFill>
+                  <a:srgbClr val="FFFFFF"/>
+                </a:solidFill>
+                <a:latin typeface="Century Gothic"/>
+              </a:rPr>
+              <a:t>its</a:t>
+            </a:r>
+            <a:r>
+              <a:rPr lang="it-IT" sz="2000" b="0" strike="noStrike" spc="-1" dirty="0">
+                <a:solidFill>
+                  <a:srgbClr val="FFFFFF"/>
+                </a:solidFill>
+                <a:latin typeface="Century Gothic"/>
+              </a:rPr>
+              <a:t> </a:t>
+            </a:r>
+            <a:r>
+              <a:rPr lang="it-IT" sz="2000" b="0" strike="noStrike" spc="-1" dirty="0" err="1">
+                <a:solidFill>
+                  <a:srgbClr val="FFFFFF"/>
+                </a:solidFill>
+                <a:latin typeface="Century Gothic"/>
+              </a:rPr>
+              <a:t>subnet</a:t>
+            </a:r>
+            <a:endParaRPr lang="en-US" sz="2000" b="0" strike="noStrike" spc="-1" dirty="0">
+              <a:latin typeface="Arial"/>
+            </a:endParaRPr>
+          </a:p>
+          <a:p>
+            <a:pPr>
+              <a:lnSpc>
+                <a:spcPct val="100000"/>
+              </a:lnSpc>
+              <a:spcBef>
+                <a:spcPts val="1001"/>
+              </a:spcBef>
+            </a:pPr>
+            <a:endParaRPr lang="en-US" sz="2000" b="0" strike="noStrike" spc="-1" dirty="0">
+              <a:latin typeface="Arial"/>
             </a:endParaRPr>
           </a:p>
           <a:p>
@@ -7986,77 +7928,95 @@
               <a:buChar char=""/>
             </a:pPr>
             <a:r>
-              <a:rPr lang="en-US" sz="2000" b="0" strike="noStrike" spc="-1" dirty="0">
-                <a:solidFill>
-                  <a:srgbClr val="FFFFFF"/>
-                </a:solidFill>
-                <a:latin typeface="Century Gothic"/>
-              </a:rPr>
-              <a:t>It causes the name server to return an incorrect result record (for example, an wrong IP address)</a:t>
-            </a:r>
-          </a:p>
-          <a:p>
-            <a:pPr marL="343080" indent="-342360">
-              <a:lnSpc>
-                <a:spcPct val="100000"/>
-              </a:lnSpc>
-              <a:spcBef>
-                <a:spcPts val="1001"/>
-              </a:spcBef>
-              <a:buClr>
-                <a:srgbClr val="8AD0D6"/>
-              </a:buClr>
-              <a:buSzPct val="80000"/>
-              <a:buFont typeface="Wingdings 3" charset="2"/>
-              <a:buChar char=""/>
-            </a:pPr>
-            <a:endParaRPr lang="en-US" sz="2000" spc="-1" dirty="0">
-              <a:solidFill>
-                <a:srgbClr val="FFFFFF"/>
-              </a:solidFill>
-              <a:latin typeface="Century Gothic"/>
-            </a:endParaRPr>
-          </a:p>
-          <a:p>
-            <a:pPr marL="343080" indent="-342360">
-              <a:lnSpc>
-                <a:spcPct val="100000"/>
-              </a:lnSpc>
-              <a:spcBef>
-                <a:spcPts val="1001"/>
-              </a:spcBef>
-              <a:buClr>
-                <a:srgbClr val="8AD0D6"/>
-              </a:buClr>
-              <a:buSzPct val="80000"/>
-              <a:buFont typeface="Wingdings 3" charset="2"/>
-              <a:buChar char=""/>
-            </a:pPr>
-            <a:r>
-              <a:rPr lang="en-US" sz="2000" b="0" strike="noStrike" spc="-1" dirty="0">
-                <a:solidFill>
-                  <a:srgbClr val="FFFFFF"/>
-                </a:solidFill>
-                <a:latin typeface="Century Gothic"/>
-              </a:rPr>
-              <a:t>All the traffic is diverted to the attacker's computer (or to any other computer)</a:t>
-            </a:r>
-            <a:endParaRPr lang="it-IT" sz="2000" b="0" strike="noStrike" spc="-1" dirty="0">
-              <a:solidFill>
-                <a:srgbClr val="FFFFFF"/>
-              </a:solidFill>
-              <a:latin typeface="Century Gothic"/>
-            </a:endParaRPr>
-          </a:p>
-          <a:p>
-            <a:pPr>
-              <a:lnSpc>
-                <a:spcPct val="100000"/>
-              </a:lnSpc>
-              <a:spcBef>
-                <a:spcPts val="1001"/>
-              </a:spcBef>
-            </a:pPr>
+              <a:rPr lang="it-IT" sz="2000" b="0" strike="noStrike" spc="-1" dirty="0" err="1">
+                <a:solidFill>
+                  <a:srgbClr val="FFFFFF"/>
+                </a:solidFill>
+                <a:latin typeface="Century Gothic"/>
+              </a:rPr>
+              <a:t>All</a:t>
+            </a:r>
+            <a:r>
+              <a:rPr lang="it-IT" sz="2000" b="0" strike="noStrike" spc="-1" dirty="0">
+                <a:solidFill>
+                  <a:srgbClr val="FFFFFF"/>
+                </a:solidFill>
+                <a:latin typeface="Century Gothic"/>
+              </a:rPr>
+              <a:t> </a:t>
+            </a:r>
+            <a:r>
+              <a:rPr lang="it-IT" sz="2000" b="0" strike="noStrike" spc="-1" dirty="0" err="1">
+                <a:solidFill>
+                  <a:srgbClr val="FFFFFF"/>
+                </a:solidFill>
+                <a:latin typeface="Century Gothic"/>
+              </a:rPr>
+              <a:t>traffick</a:t>
+            </a:r>
+            <a:r>
+              <a:rPr lang="it-IT" sz="2000" b="0" strike="noStrike" spc="-1" dirty="0">
+                <a:solidFill>
+                  <a:srgbClr val="FFFFFF"/>
+                </a:solidFill>
+                <a:latin typeface="Century Gothic"/>
+              </a:rPr>
+              <a:t> </a:t>
+            </a:r>
+            <a:r>
+              <a:rPr lang="it-IT" sz="2000" b="0" strike="noStrike" spc="-1" dirty="0" err="1">
+                <a:solidFill>
+                  <a:srgbClr val="FFFFFF"/>
+                </a:solidFill>
+                <a:latin typeface="Century Gothic"/>
+              </a:rPr>
+              <a:t>will</a:t>
+            </a:r>
+            <a:r>
+              <a:rPr lang="it-IT" sz="2000" b="0" strike="noStrike" spc="-1" dirty="0">
+                <a:solidFill>
+                  <a:srgbClr val="FFFFFF"/>
+                </a:solidFill>
+                <a:latin typeface="Century Gothic"/>
+              </a:rPr>
+              <a:t> be </a:t>
+            </a:r>
+            <a:r>
+              <a:rPr lang="it-IT" sz="2000" b="0" strike="noStrike" spc="-1" dirty="0" err="1">
+                <a:solidFill>
+                  <a:srgbClr val="FFFFFF"/>
+                </a:solidFill>
+                <a:latin typeface="Century Gothic"/>
+              </a:rPr>
+              <a:t>captured</a:t>
+            </a:r>
+            <a:r>
+              <a:rPr lang="it-IT" sz="2000" b="0" strike="noStrike" spc="-1" dirty="0">
+                <a:solidFill>
+                  <a:srgbClr val="FFFFFF"/>
+                </a:solidFill>
+                <a:latin typeface="Century Gothic"/>
+              </a:rPr>
+              <a:t> from the </a:t>
+            </a:r>
+            <a:r>
+              <a:rPr lang="it-IT" sz="2000" b="0" strike="noStrike" spc="-1" dirty="0" err="1">
+                <a:solidFill>
+                  <a:srgbClr val="FFFFFF"/>
+                </a:solidFill>
+                <a:latin typeface="Century Gothic"/>
+              </a:rPr>
+              <a:t>Rogue</a:t>
+            </a:r>
+            <a:r>
+              <a:rPr lang="it-IT" sz="2000" b="0" strike="noStrike" spc="-1" dirty="0">
+                <a:solidFill>
+                  <a:srgbClr val="FFFFFF"/>
+                </a:solidFill>
+                <a:latin typeface="Century Gothic"/>
+              </a:rPr>
+              <a:t> server</a:t>
+            </a:r>
             <a:endParaRPr lang="en-US" sz="2000" b="0" strike="noStrike" spc="-1" dirty="0">
               <a:latin typeface="Arial"/>
             </a:endParaRPr>
@@ -8064,11 +8024,6 @@
         </p:txBody>
       </p:sp>
     </p:spTree>
-    <p:extLst>
-      <p:ext uri="{BB962C8B-B14F-4D97-AF65-F5344CB8AC3E}">
-        <p14:creationId xmlns:p14="http://schemas.microsoft.com/office/powerpoint/2010/main" val="860726749"/>
-      </p:ext>
-    </p:extLst>
   </p:cSld>
   <p:clrMapOvr>
     <a:masterClrMapping/>
@@ -8095,7 +8050,7 @@
       </p:grpSpPr>
       <p:sp>
         <p:nvSpPr>
-          <p:cNvPr id="141" name="CustomShape 1"/>
+          <p:cNvPr id="143" name="CustomShape 1"/>
           <p:cNvSpPr/>
           <p:nvPr/>
         </p:nvSpPr>
@@ -8125,7 +8080,7 @@
           <a:fontRef idx="minor"/>
         </p:style>
         <p:txBody>
-          <a:bodyPr lIns="90000" tIns="45000" rIns="90000" bIns="45000">
+          <a:bodyPr lIns="0" tIns="0" rIns="0" bIns="0" anchor="ctr">
             <a:noAutofit/>
           </a:bodyPr>
           <a:lstStyle/>
@@ -8150,9 +8105,114 @@
           </a:p>
         </p:txBody>
       </p:sp>
-      <p:sp>
-        <p:nvSpPr>
-          <p:cNvPr id="142" name="CustomShape 2"/>
+      <p:pic>
+        <p:nvPicPr>
+          <p:cNvPr id="144" name="Immagine 143"/>
+          <p:cNvPicPr/>
+          <p:nvPr/>
+        </p:nvPicPr>
+        <p:blipFill>
+          <a:blip r:embed="rId2"/>
+          <a:stretch/>
+        </p:blipFill>
+        <p:spPr>
+          <a:xfrm>
+            <a:off x="1645920" y="1852920"/>
+            <a:ext cx="8819280" cy="4012560"/>
+          </a:xfrm>
+          <a:prstGeom prst="rect">
+            <a:avLst/>
+          </a:prstGeom>
+          <a:ln>
+            <a:noFill/>
+          </a:ln>
+        </p:spPr>
+      </p:pic>
+    </p:spTree>
+  </p:cSld>
+  <p:clrMapOvr>
+    <a:masterClrMapping/>
+  </p:clrMapOvr>
+</p:sld>
+</file>
+
+<file path=ppt/slides/slide6.xml><?xml version="1.0" encoding="utf-8"?>
+<p:sld xmlns:a="http://schemas.openxmlformats.org/drawingml/2006/main" xmlns:r="http://schemas.openxmlformats.org/officeDocument/2006/relationships" xmlns:p="http://schemas.openxmlformats.org/presentationml/2006/main">
+  <p:cSld>
+    <p:spTree>
+      <p:nvGrpSpPr>
+        <p:cNvPr id="1" name=""/>
+        <p:cNvGrpSpPr/>
+        <p:nvPr/>
+      </p:nvGrpSpPr>
+      <p:grpSpPr>
+        <a:xfrm>
+          <a:off x="0" y="0"/>
+          <a:ext cx="0" cy="0"/>
+          <a:chOff x="0" y="0"/>
+          <a:chExt cx="0" cy="0"/>
+        </a:xfrm>
+      </p:grpSpPr>
+      <p:sp>
+        <p:nvSpPr>
+          <p:cNvPr id="137" name="CustomShape 1"/>
+          <p:cNvSpPr/>
+          <p:nvPr/>
+        </p:nvSpPr>
+        <p:spPr>
+          <a:xfrm>
+            <a:off x="646200" y="452880"/>
+            <a:ext cx="9403920" cy="1399680"/>
+          </a:xfrm>
+          <a:prstGeom prst="rect">
+            <a:avLst/>
+          </a:prstGeom>
+          <a:noFill/>
+          <a:ln>
+            <a:noFill/>
+          </a:ln>
+        </p:spPr>
+        <p:style>
+          <a:lnRef idx="0">
+            <a:scrgbClr r="0" g="0" b="0"/>
+          </a:lnRef>
+          <a:fillRef idx="0">
+            <a:scrgbClr r="0" g="0" b="0"/>
+          </a:fillRef>
+          <a:effectRef idx="0">
+            <a:scrgbClr r="0" g="0" b="0"/>
+          </a:effectRef>
+          <a:fontRef idx="minor"/>
+        </p:style>
+        <p:txBody>
+          <a:bodyPr lIns="90000" tIns="45000" rIns="90000" bIns="45000">
+            <a:noAutofit/>
+          </a:bodyPr>
+          <a:lstStyle/>
+          <a:p>
+            <a:pPr>
+              <a:lnSpc>
+                <a:spcPct val="100000"/>
+              </a:lnSpc>
+            </a:pPr>
+            <a:r>
+              <a:rPr lang="it-IT" sz="4200" b="0" strike="noStrike" spc="-1">
+                <a:solidFill>
+                  <a:srgbClr val="EBEBEB"/>
+                </a:solidFill>
+                <a:latin typeface="Century Gothic"/>
+              </a:rPr>
+              <a:t>Man In The Middle (MITM)</a:t>
+            </a:r>
+            <a:endParaRPr lang="en-US" sz="4200" b="0" strike="noStrike" spc="-1">
+              <a:latin typeface="Arial"/>
+            </a:endParaRPr>
+          </a:p>
+        </p:txBody>
+      </p:sp>
+      <p:sp>
+        <p:nvSpPr>
+          <p:cNvPr id="138" name="CustomShape 2"/>
           <p:cNvSpPr/>
           <p:nvPr/>
         </p:nvSpPr>
@@ -8202,13 +8262,22 @@
               <a:buChar char=""/>
             </a:pPr>
             <a:r>
+              <a:rPr lang="it-IT" sz="2000" b="0" strike="noStrike" spc="-1" dirty="0" err="1">
+                <a:solidFill>
+                  <a:srgbClr val="FFFFFF"/>
+                </a:solidFill>
+                <a:latin typeface="Century Gothic"/>
+              </a:rPr>
+              <a:t>All</a:t>
+            </a:r>
+            <a:r>
               <a:rPr lang="it-IT" sz="2000" b="0" strike="noStrike" spc="-1" dirty="0">
                 <a:solidFill>
                   <a:srgbClr val="FFFFFF"/>
                 </a:solidFill>
                 <a:latin typeface="Century Gothic"/>
               </a:rPr>
-              <a:t>DHCP Spoofing </a:t>
+              <a:t> the </a:t>
             </a:r>
             <a:r>
               <a:rPr lang="it-IT" sz="2000" b="0" strike="noStrike" spc="-1" dirty="0" err="1">
@@ -8217,7 +8286,7 @@
                 </a:solidFill>
                 <a:latin typeface="Century Gothic"/>
               </a:rPr>
-              <a:t>attack</a:t>
+              <a:t>attacks</a:t>
             </a:r>
             <a:r>
               <a:rPr lang="it-IT" sz="2000" b="0" strike="noStrike" spc="-1" dirty="0">
@@ -8235,7 +8304,7 @@
                 </a:solidFill>
                 <a:latin typeface="Century Gothic"/>
               </a:rPr>
-              <a:t>is</a:t>
+              <a:t>we</a:t>
             </a:r>
             <a:r>
               <a:rPr lang="it-IT" sz="2000" b="0" strike="noStrike" spc="-1" dirty="0">
@@ -8244,7 +8313,7 @@
                 </a:solidFill>
                 <a:latin typeface="Century Gothic"/>
               </a:rPr>
-              <a:t> the </a:t>
+              <a:t> </a:t>
             </a:r>
             <a:r>
               <a:rPr lang="it-IT" sz="2000" b="0" strike="noStrike" spc="-1" dirty="0" err="1">
@@ -8253,7 +8322,7 @@
                 </a:solidFill>
                 <a:latin typeface="Century Gothic"/>
               </a:rPr>
-              <a:t>most</a:t>
+              <a:t>built</a:t>
             </a:r>
             <a:r>
               <a:rPr lang="it-IT" sz="2000" b="0" strike="noStrike" spc="-1" dirty="0">
@@ -8262,34 +8331,7 @@
                 </a:solidFill>
                 <a:latin typeface="Century Gothic"/>
               </a:rPr>
-              <a:t> </a:t>
-            </a:r>
-            <a:r>
-              <a:rPr lang="it-IT" sz="2000" b="0" strike="noStrike" spc="-1" dirty="0" err="1">
-                <a:solidFill>
-                  <a:srgbClr val="FFFFFF"/>
-                </a:solidFill>
-                <a:latin typeface="Century Gothic"/>
-              </a:rPr>
-              <a:t>relyable</a:t>
-            </a:r>
-            <a:r>
-              <a:rPr lang="it-IT" sz="2000" b="0" strike="noStrike" spc="-1" dirty="0">
-                <a:solidFill>
-                  <a:srgbClr val="FFFFFF"/>
-                </a:solidFill>
-                <a:latin typeface="Century Gothic"/>
-              </a:rPr>
-              <a:t> MITM </a:t>
-            </a:r>
-            <a:r>
-              <a:rPr lang="it-IT" sz="2000" b="0" strike="noStrike" spc="-1" dirty="0" err="1">
-                <a:solidFill>
-                  <a:srgbClr val="FFFFFF"/>
-                </a:solidFill>
-                <a:latin typeface="Century Gothic"/>
-              </a:rPr>
-              <a:t>attack</a:t>
+              <a:t> so far are part of MITM</a:t>
             </a:r>
             <a:endParaRPr lang="en-US" sz="2000" b="0" strike="noStrike" spc="-1" dirty="0">
               <a:latin typeface="Arial"/>
@@ -8330,7 +8372,7 @@
                 </a:solidFill>
                 <a:latin typeface="Century Gothic"/>
               </a:rPr>
-              <a:t>A </a:t>
+              <a:t>A MITM </a:t>
             </a:r>
             <a:r>
               <a:rPr lang="it-IT" sz="2000" b="0" strike="noStrike" spc="-1" dirty="0" err="1">
@@ -8339,7 +8381,7 @@
                 </a:solidFill>
                 <a:latin typeface="Century Gothic"/>
               </a:rPr>
-              <a:t>victim</a:t>
+              <a:t>is</a:t>
             </a:r>
             <a:r>
               <a:rPr lang="it-IT" sz="2000" b="0" strike="noStrike" spc="-1" dirty="0">
@@ -8348,6 +8390,78 @@
                 </a:solidFill>
                 <a:latin typeface="Century Gothic"/>
               </a:rPr>
+              <a:t> a </a:t>
+            </a:r>
+            <a:r>
+              <a:rPr lang="it-IT" sz="2000" b="0" strike="noStrike" spc="-1" dirty="0" err="1">
+                <a:solidFill>
+                  <a:srgbClr val="FFFFFF"/>
+                </a:solidFill>
+                <a:latin typeface="Century Gothic"/>
+              </a:rPr>
+              <a:t>type</a:t>
+            </a:r>
+            <a:r>
+              <a:rPr lang="it-IT" sz="2000" b="0" strike="noStrike" spc="-1" dirty="0">
+                <a:solidFill>
+                  <a:srgbClr val="FFFFFF"/>
+                </a:solidFill>
+                <a:latin typeface="Century Gothic"/>
+              </a:rPr>
+              <a:t> of </a:t>
+            </a:r>
+            <a:r>
+              <a:rPr lang="it-IT" sz="2000" b="0" strike="noStrike" spc="-1" dirty="0" err="1">
+                <a:solidFill>
+                  <a:srgbClr val="FFFFFF"/>
+                </a:solidFill>
+                <a:latin typeface="Century Gothic"/>
+              </a:rPr>
+              <a:t>attack</a:t>
+            </a:r>
+            <a:r>
+              <a:rPr lang="it-IT" sz="2000" b="0" strike="noStrike" spc="-1" dirty="0">
+                <a:solidFill>
+                  <a:srgbClr val="FFFFFF"/>
+                </a:solidFill>
+                <a:latin typeface="Century Gothic"/>
+              </a:rPr>
+              <a:t> in </a:t>
+            </a:r>
+            <a:r>
+              <a:rPr lang="it-IT" sz="2000" b="0" strike="noStrike" spc="-1" dirty="0" err="1">
+                <a:solidFill>
+                  <a:srgbClr val="FFFFFF"/>
+                </a:solidFill>
+                <a:latin typeface="Century Gothic"/>
+              </a:rPr>
+              <a:t>which</a:t>
+            </a:r>
+            <a:r>
+              <a:rPr lang="it-IT" sz="2000" b="0" strike="noStrike" spc="-1" dirty="0">
+                <a:solidFill>
+                  <a:srgbClr val="FFFFFF"/>
+                </a:solidFill>
+                <a:latin typeface="Century Gothic"/>
+              </a:rPr>
+              <a:t> an Host </a:t>
+            </a:r>
+            <a:r>
+              <a:rPr lang="it-IT" sz="2000" b="0" strike="noStrike" spc="-1" dirty="0" err="1">
+                <a:solidFill>
+                  <a:srgbClr val="FFFFFF"/>
+                </a:solidFill>
+                <a:latin typeface="Century Gothic"/>
+              </a:rPr>
+              <a:t>is</a:t>
+            </a:r>
+            <a:r>
+              <a:rPr lang="it-IT" sz="2000" b="0" strike="noStrike" spc="-1" dirty="0">
+                <a:solidFill>
+                  <a:srgbClr val="FFFFFF"/>
+                </a:solidFill>
+                <a:latin typeface="Century Gothic"/>
+              </a:rPr>
               <a:t> </a:t>
             </a:r>
             <a:r>
@@ -8357,7 +8471,7 @@
                 </a:solidFill>
                 <a:latin typeface="Century Gothic"/>
               </a:rPr>
-              <a:t>will</a:t>
+              <a:t>able</a:t>
             </a:r>
             <a:r>
               <a:rPr lang="it-IT" sz="2000" b="0" strike="noStrike" spc="-1" dirty="0">
@@ -8366,6 +8480,60 @@
                 </a:solidFill>
                 <a:latin typeface="Century Gothic"/>
               </a:rPr>
+              <a:t> to </a:t>
+            </a:r>
+            <a:r>
+              <a:rPr lang="it-IT" sz="2000" b="0" strike="noStrike" spc="-1" dirty="0" err="1">
+                <a:solidFill>
+                  <a:srgbClr val="FFFFFF"/>
+                </a:solidFill>
+                <a:latin typeface="Century Gothic"/>
+              </a:rPr>
+              <a:t>capture</a:t>
+            </a:r>
+            <a:r>
+              <a:rPr lang="it-IT" sz="2000" b="0" strike="noStrike" spc="-1" dirty="0">
+                <a:solidFill>
+                  <a:srgbClr val="FFFFFF"/>
+                </a:solidFill>
+                <a:latin typeface="Century Gothic"/>
+              </a:rPr>
+              <a:t>, </a:t>
+            </a:r>
+            <a:r>
+              <a:rPr lang="it-IT" sz="2000" b="0" strike="noStrike" spc="-1" dirty="0" err="1">
+                <a:solidFill>
+                  <a:srgbClr val="FFFFFF"/>
+                </a:solidFill>
+                <a:latin typeface="Century Gothic"/>
+              </a:rPr>
+              <a:t>read</a:t>
+            </a:r>
+            <a:r>
+              <a:rPr lang="it-IT" sz="2000" b="0" strike="noStrike" spc="-1" dirty="0">
+                <a:solidFill>
+                  <a:srgbClr val="FFFFFF"/>
+                </a:solidFill>
+                <a:latin typeface="Century Gothic"/>
+              </a:rPr>
+              <a:t> and </a:t>
+            </a:r>
+            <a:r>
+              <a:rPr lang="it-IT" sz="2000" b="0" strike="noStrike" spc="-1" dirty="0" err="1">
+                <a:solidFill>
+                  <a:srgbClr val="FFFFFF"/>
+                </a:solidFill>
+                <a:latin typeface="Century Gothic"/>
+              </a:rPr>
+              <a:t>forward</a:t>
+            </a:r>
+            <a:r>
+              <a:rPr lang="it-IT" sz="2000" b="0" strike="noStrike" spc="-1" dirty="0">
+                <a:solidFill>
+                  <a:srgbClr val="FFFFFF"/>
+                </a:solidFill>
+                <a:latin typeface="Century Gothic"/>
+              </a:rPr>
               <a:t> </a:t>
             </a:r>
             <a:r>
@@ -8375,7 +8543,7 @@
                 </a:solidFill>
                 <a:latin typeface="Century Gothic"/>
               </a:rPr>
-              <a:t>receive</a:t>
+              <a:t>packets</a:t>
             </a:r>
             <a:r>
               <a:rPr lang="it-IT" sz="2000" b="0" strike="noStrike" spc="-1" dirty="0">
@@ -8384,7 +8552,7 @@
                 </a:solidFill>
                 <a:latin typeface="Century Gothic"/>
               </a:rPr>
-              <a:t> an IP </a:t>
+              <a:t> of </a:t>
             </a:r>
             <a:r>
               <a:rPr lang="it-IT" sz="2000" b="0" strike="noStrike" spc="-1" dirty="0" err="1">
@@ -8393,7 +8561,7 @@
                 </a:solidFill>
                 <a:latin typeface="Century Gothic"/>
               </a:rPr>
-              <a:t>address</a:t>
+              <a:t>other</a:t>
             </a:r>
             <a:r>
               <a:rPr lang="it-IT" sz="2000" b="0" strike="noStrike" spc="-1" dirty="0">
@@ -8402,7 +8570,7 @@
                 </a:solidFill>
                 <a:latin typeface="Century Gothic"/>
               </a:rPr>
-              <a:t> from the </a:t>
+              <a:t> </a:t>
             </a:r>
             <a:r>
               <a:rPr lang="it-IT" sz="2000" b="0" strike="noStrike" spc="-1" dirty="0" err="1">
@@ -8411,79 +8579,7 @@
                 </a:solidFill>
                 <a:latin typeface="Century Gothic"/>
               </a:rPr>
-              <a:t>Rogue</a:t>
-            </a:r>
-            <a:r>
-              <a:rPr lang="it-IT" sz="2000" b="0" strike="noStrike" spc="-1" dirty="0">
-                <a:solidFill>
-                  <a:srgbClr val="FFFFFF"/>
-                </a:solidFill>
-                <a:latin typeface="Century Gothic"/>
-              </a:rPr>
-              <a:t> DHCP server and </a:t>
-            </a:r>
-            <a:r>
-              <a:rPr lang="it-IT" sz="2000" b="0" strike="noStrike" spc="-1" dirty="0" err="1">
-                <a:solidFill>
-                  <a:srgbClr val="FFFFFF"/>
-                </a:solidFill>
-                <a:latin typeface="Century Gothic"/>
-              </a:rPr>
-              <a:t>will</a:t>
-            </a:r>
-            <a:r>
-              <a:rPr lang="it-IT" sz="2000" b="0" strike="noStrike" spc="-1" dirty="0">
-                <a:solidFill>
-                  <a:srgbClr val="FFFFFF"/>
-                </a:solidFill>
-                <a:latin typeface="Century Gothic"/>
-              </a:rPr>
-              <a:t> be </a:t>
-            </a:r>
-            <a:r>
-              <a:rPr lang="it-IT" sz="2000" b="0" strike="noStrike" spc="-1" dirty="0" err="1">
-                <a:solidFill>
-                  <a:srgbClr val="FFFFFF"/>
-                </a:solidFill>
-                <a:latin typeface="Century Gothic"/>
-              </a:rPr>
-              <a:t>connected</a:t>
-            </a:r>
-            <a:r>
-              <a:rPr lang="it-IT" sz="2000" b="0" strike="noStrike" spc="-1" dirty="0">
-                <a:solidFill>
-                  <a:srgbClr val="FFFFFF"/>
-                </a:solidFill>
-                <a:latin typeface="Century Gothic"/>
-              </a:rPr>
-              <a:t> to </a:t>
-            </a:r>
-            <a:r>
-              <a:rPr lang="it-IT" sz="2000" b="0" strike="noStrike" spc="-1" dirty="0" err="1">
-                <a:solidFill>
-                  <a:srgbClr val="FFFFFF"/>
-                </a:solidFill>
-                <a:latin typeface="Century Gothic"/>
-              </a:rPr>
-              <a:t>its</a:t>
-            </a:r>
-            <a:r>
-              <a:rPr lang="it-IT" sz="2000" b="0" strike="noStrike" spc="-1" dirty="0">
-                <a:solidFill>
-                  <a:srgbClr val="FFFFFF"/>
-                </a:solidFill>
-                <a:latin typeface="Century Gothic"/>
-              </a:rPr>
-              <a:t> </a:t>
-            </a:r>
-            <a:r>
-              <a:rPr lang="it-IT" sz="2000" b="0" strike="noStrike" spc="-1" dirty="0" err="1">
-                <a:solidFill>
-                  <a:srgbClr val="FFFFFF"/>
-                </a:solidFill>
-                <a:latin typeface="Century Gothic"/>
-              </a:rPr>
-              <a:t>subnet</a:t>
+              <a:t>hosts</a:t>
             </a:r>
             <a:endParaRPr lang="en-US" sz="2000" b="0" strike="noStrike" spc="-1" dirty="0">
               <a:latin typeface="Arial"/>
@@ -8524,7 +8620,7 @@
                 </a:solidFill>
                 <a:latin typeface="Century Gothic"/>
               </a:rPr>
-              <a:t>All</a:t>
+              <a:t>We</a:t>
             </a:r>
             <a:r>
               <a:rPr lang="it-IT" sz="2000" b="0" strike="noStrike" spc="-1" dirty="0">
@@ -8542,7 +8638,7 @@
                 </a:solidFill>
                 <a:latin typeface="Century Gothic"/>
               </a:rPr>
-              <a:t>traffick</a:t>
+              <a:t>will</a:t>
             </a:r>
             <a:r>
               <a:rPr lang="it-IT" sz="2000" b="0" strike="noStrike" spc="-1" dirty="0">
@@ -8560,7 +8656,7 @@
                 </a:solidFill>
                 <a:latin typeface="Century Gothic"/>
               </a:rPr>
-              <a:t>will</a:t>
+              <a:t>try</a:t>
             </a:r>
             <a:r>
               <a:rPr lang="it-IT" sz="2000" b="0" strike="noStrike" spc="-1" dirty="0">
@@ -8569,7 +8665,7 @@
                 </a:solidFill>
                 <a:latin typeface="Century Gothic"/>
               </a:rPr>
-              <a:t> be </a:t>
+              <a:t> to create a full-duplex MITM, </a:t>
             </a:r>
             <a:r>
               <a:rPr lang="it-IT" sz="2000" b="0" strike="noStrike" spc="-1" dirty="0" err="1">
@@ -8578,7 +8674,7 @@
                 </a:solidFill>
                 <a:latin typeface="Century Gothic"/>
               </a:rPr>
-              <a:t>captured</a:t>
+              <a:t>based</a:t>
             </a:r>
             <a:r>
               <a:rPr lang="it-IT" sz="2000" b="0" strike="noStrike" spc="-1" dirty="0">
@@ -8587,7 +8683,7 @@
                 </a:solidFill>
                 <a:latin typeface="Century Gothic"/>
               </a:rPr>
-              <a:t> from the </a:t>
+              <a:t> on ARP Spoofing, </a:t>
             </a:r>
             <a:r>
               <a:rPr lang="it-IT" sz="2000" b="0" strike="noStrike" spc="-1" dirty="0" err="1">
@@ -8596,7 +8692,7 @@
                 </a:solidFill>
                 <a:latin typeface="Century Gothic"/>
               </a:rPr>
-              <a:t>Rogue</a:t>
+              <a:t>using</a:t>
             </a:r>
             <a:r>
               <a:rPr lang="it-IT" sz="2000" b="0" strike="noStrike" spc="-1" dirty="0">
@@ -8605,7 +8701,16 @@
                 </a:solidFill>
                 <a:latin typeface="Century Gothic"/>
               </a:rPr>
-              <a:t> server</a:t>
+              <a:t> </a:t>
+            </a:r>
+            <a:r>
+              <a:rPr lang="it-IT" sz="2000" b="0" strike="noStrike" spc="-1" dirty="0" err="1">
+                <a:solidFill>
+                  <a:srgbClr val="FFFFFF"/>
+                </a:solidFill>
+                <a:latin typeface="Century Gothic"/>
+              </a:rPr>
+              <a:t>ettercap</a:t>
             </a:r>
             <a:endParaRPr lang="en-US" sz="2000" b="0" strike="noStrike" spc="-1" dirty="0">
               <a:latin typeface="Arial"/>
@@ -8613,111 +8718,6 @@
           </a:p>
         </p:txBody>
       </p:sp>
-    </p:spTree>
-  </p:cSld>
-  <p:clrMapOvr>
-    <a:masterClrMapping/>
-  </p:clrMapOvr>
-</p:sld>
-</file>
-
-<file path=ppt/slides/slide6.xml><?xml version="1.0" encoding="utf-8"?>
-<p:sld xmlns:a="http://schemas.openxmlformats.org/drawingml/2006/main" xmlns:r="http://schemas.openxmlformats.org/officeDocument/2006/relationships" xmlns:p="http://schemas.openxmlformats.org/presentationml/2006/main">
-  <p:cSld>
-    <p:spTree>
-      <p:nvGrpSpPr>
-        <p:cNvPr id="1" name=""/>
-        <p:cNvGrpSpPr/>
-        <p:nvPr/>
-      </p:nvGrpSpPr>
-      <p:grpSpPr>
-        <a:xfrm>
-          <a:off x="0" y="0"/>
-          <a:ext cx="0" cy="0"/>
-          <a:chOff x="0" y="0"/>
-          <a:chExt cx="0" cy="0"/>
-        </a:xfrm>
-      </p:grpSpPr>
-      <p:sp>
-        <p:nvSpPr>
-          <p:cNvPr id="143" name="CustomShape 1"/>
-          <p:cNvSpPr/>
-          <p:nvPr/>
-        </p:nvSpPr>
-        <p:spPr>
-          <a:xfrm>
-            <a:off x="646200" y="452880"/>
-            <a:ext cx="9403920" cy="1399680"/>
-          </a:xfrm>
-          <a:prstGeom prst="rect">
-            <a:avLst/>
-          </a:prstGeom>
-          <a:noFill/>
-          <a:ln>
-            <a:noFill/>
-          </a:ln>
-        </p:spPr>
-        <p:style>
-          <a:lnRef idx="0">
-            <a:scrgbClr r="0" g="0" b="0"/>
-          </a:lnRef>
-          <a:fillRef idx="0">
-            <a:scrgbClr r="0" g="0" b="0"/>
-          </a:fillRef>
-          <a:effectRef idx="0">
-            <a:scrgbClr r="0" g="0" b="0"/>
-          </a:effectRef>
-          <a:fontRef idx="minor"/>
-        </p:style>
-        <p:txBody>
-          <a:bodyPr lIns="0" tIns="0" rIns="0" bIns="0" anchor="ctr">
-            <a:noAutofit/>
-          </a:bodyPr>
-          <a:lstStyle/>
-          <a:p>
-            <a:pPr>
-              <a:lnSpc>
-                <a:spcPct val="100000"/>
-              </a:lnSpc>
-            </a:pPr>
-            <a:r>
-              <a:rPr lang="it-IT" sz="4200" b="0" strike="noStrike" spc="-1">
-                <a:solidFill>
-                  <a:srgbClr val="EBEBEB"/>
-                </a:solidFill>
-                <a:latin typeface="Century Gothic"/>
-              </a:rPr>
-              <a:t>DHCP Spoofing</a:t>
-            </a:r>
-            <a:endParaRPr lang="en-US" sz="4200" b="0" strike="noStrike" spc="-1">
-              <a:latin typeface="Arial"/>
-            </a:endParaRPr>
-          </a:p>
-        </p:txBody>
-      </p:sp>
-      <p:pic>
-        <p:nvPicPr>
-          <p:cNvPr id="144" name="Immagine 143"/>
-          <p:cNvPicPr/>
-          <p:nvPr/>
-        </p:nvPicPr>
-        <p:blipFill>
-          <a:blip r:embed="rId2"/>
-          <a:stretch/>
-        </p:blipFill>
-        <p:spPr>
-          <a:xfrm>
-            <a:off x="1645920" y="1852920"/>
-            <a:ext cx="8819280" cy="4012560"/>
-          </a:xfrm>
-          <a:prstGeom prst="rect">
-            <a:avLst/>
-          </a:prstGeom>
-          <a:ln>
-            <a:noFill/>
-          </a:ln>
-        </p:spPr>
-      </p:pic>
     </p:spTree>
   </p:cSld>
   <p:clrMapOvr>

--- a/esercitazioni/Laboratory_22-23/Session_6/Lab_06_Slides.pptx
+++ b/esercitazioni/Laboratory_22-23/Session_6/Lab_06_Slides.pptx
@@ -8,10 +8,8 @@
     <p:sldId id="256" r:id="rId2"/>
     <p:sldId id="257" r:id="rId3"/>
     <p:sldId id="262" r:id="rId4"/>
-    <p:sldId id="260" r:id="rId5"/>
-    <p:sldId id="261" r:id="rId6"/>
-    <p:sldId id="258" r:id="rId7"/>
-    <p:sldId id="259" r:id="rId8"/>
+    <p:sldId id="258" r:id="rId5"/>
+    <p:sldId id="259" r:id="rId6"/>
   </p:sldIdLst>
   <p:sldSz cx="12192000" cy="6858000"/>
   <p:notesSz cx="7559675" cy="10691813"/>
@@ -304,7 +302,7 @@
           <a:p>
             <a:fld id="{4AAD347D-5ACD-4C99-B74B-A9C85AD731AF}" type="datetimeFigureOut">
               <a:rPr lang="en-US" dirty="0"/>
-              <a:t>11/28/2022</a:t>
+              <a:t>4/22/2024</a:t>
             </a:fld>
             <a:endParaRPr lang="en-US" dirty="0"/>
           </a:p>
@@ -579,7 +577,7 @@
           <a:p>
             <a:fld id="{4509A250-FF31-4206-8172-F9D3106AACB1}" type="datetimeFigureOut">
               <a:rPr lang="en-US" dirty="0"/>
-              <a:t>11/28/2022</a:t>
+              <a:t>4/22/2024</a:t>
             </a:fld>
             <a:endParaRPr lang="en-US" dirty="0"/>
           </a:p>
@@ -773,7 +771,7 @@
           <a:p>
             <a:fld id="{4509A250-FF31-4206-8172-F9D3106AACB1}" type="datetimeFigureOut">
               <a:rPr lang="en-US" dirty="0"/>
-              <a:t>11/28/2022</a:t>
+              <a:t>4/22/2024</a:t>
             </a:fld>
             <a:endParaRPr lang="en-US" dirty="0"/>
           </a:p>
@@ -1046,7 +1044,7 @@
           <a:p>
             <a:fld id="{4509A250-FF31-4206-8172-F9D3106AACB1}" type="datetimeFigureOut">
               <a:rPr lang="en-US" dirty="0"/>
-              <a:t>11/28/2022</a:t>
+              <a:t>4/22/2024</a:t>
             </a:fld>
             <a:endParaRPr lang="en-US" dirty="0"/>
           </a:p>
@@ -1387,7 +1385,7 @@
           <a:p>
             <a:fld id="{4509A250-FF31-4206-8172-F9D3106AACB1}" type="datetimeFigureOut">
               <a:rPr lang="en-US" dirty="0"/>
-              <a:t>11/28/2022</a:t>
+              <a:t>4/22/2024</a:t>
             </a:fld>
             <a:endParaRPr lang="en-US" dirty="0"/>
           </a:p>
@@ -2010,7 +2008,7 @@
           <a:p>
             <a:fld id="{4509A250-FF31-4206-8172-F9D3106AACB1}" type="datetimeFigureOut">
               <a:rPr lang="en-US" dirty="0"/>
-              <a:t>11/28/2022</a:t>
+              <a:t>4/22/2024</a:t>
             </a:fld>
             <a:endParaRPr lang="en-US" dirty="0"/>
           </a:p>
@@ -2870,7 +2868,7 @@
           <a:p>
             <a:fld id="{4509A250-FF31-4206-8172-F9D3106AACB1}" type="datetimeFigureOut">
               <a:rPr lang="en-US" dirty="0"/>
-              <a:t>11/28/2022</a:t>
+              <a:t>4/22/2024</a:t>
             </a:fld>
             <a:endParaRPr lang="en-US" dirty="0"/>
           </a:p>
@@ -3040,7 +3038,7 @@
           <a:p>
             <a:fld id="{4509A250-FF31-4206-8172-F9D3106AACB1}" type="datetimeFigureOut">
               <a:rPr lang="en-US" dirty="0"/>
-              <a:t>11/28/2022</a:t>
+              <a:t>4/22/2024</a:t>
             </a:fld>
             <a:endParaRPr lang="en-US" dirty="0"/>
           </a:p>
@@ -3220,7 +3218,7 @@
           <a:p>
             <a:fld id="{4509A250-FF31-4206-8172-F9D3106AACB1}" type="datetimeFigureOut">
               <a:rPr lang="en-US" dirty="0"/>
-              <a:t>11/28/2022</a:t>
+              <a:t>4/22/2024</a:t>
             </a:fld>
             <a:endParaRPr lang="en-US" dirty="0"/>
           </a:p>
@@ -3483,7 +3481,7 @@
           <a:p>
             <a:fld id="{4509A250-FF31-4206-8172-F9D3106AACB1}" type="datetimeFigureOut">
               <a:rPr lang="en-US" dirty="0"/>
-              <a:t>11/28/2022</a:t>
+              <a:t>4/22/2024</a:t>
             </a:fld>
             <a:endParaRPr lang="en-US" dirty="0"/>
           </a:p>
@@ -3730,7 +3728,7 @@
           <a:p>
             <a:fld id="{9796027F-7875-4030-9381-8BD8C4F21935}" type="datetimeFigureOut">
               <a:rPr lang="en-US" dirty="0"/>
-              <a:t>11/28/2022</a:t>
+              <a:t>4/22/2024</a:t>
             </a:fld>
             <a:endParaRPr lang="en-US" dirty="0"/>
           </a:p>
@@ -4022,7 +4020,7 @@
           <a:p>
             <a:fld id="{9796027F-7875-4030-9381-8BD8C4F21935}" type="datetimeFigureOut">
               <a:rPr lang="en-US" dirty="0"/>
-              <a:t>11/28/2022</a:t>
+              <a:t>4/22/2024</a:t>
             </a:fld>
             <a:endParaRPr lang="en-US" dirty="0"/>
           </a:p>
@@ -4466,7 +4464,7 @@
           <a:p>
             <a:fld id="{9796027F-7875-4030-9381-8BD8C4F21935}" type="datetimeFigureOut">
               <a:rPr lang="en-US" dirty="0"/>
-              <a:t>11/28/2022</a:t>
+              <a:t>4/22/2024</a:t>
             </a:fld>
             <a:endParaRPr lang="en-US" dirty="0"/>
           </a:p>
@@ -4584,7 +4582,7 @@
           <a:p>
             <a:fld id="{4509A250-FF31-4206-8172-F9D3106AACB1}" type="datetimeFigureOut">
               <a:rPr lang="en-US" dirty="0"/>
-              <a:t>11/28/2022</a:t>
+              <a:t>4/22/2024</a:t>
             </a:fld>
             <a:endParaRPr lang="en-US" dirty="0"/>
           </a:p>
@@ -4679,7 +4677,7 @@
           <a:p>
             <a:fld id="{4509A250-FF31-4206-8172-F9D3106AACB1}" type="datetimeFigureOut">
               <a:rPr lang="en-US" dirty="0"/>
-              <a:t>11/28/2022</a:t>
+              <a:t>4/22/2024</a:t>
             </a:fld>
             <a:endParaRPr lang="en-US" dirty="0"/>
           </a:p>
@@ -4958,7 +4956,7 @@
           <a:p>
             <a:fld id="{4509A250-FF31-4206-8172-F9D3106AACB1}" type="datetimeFigureOut">
               <a:rPr lang="en-US" dirty="0"/>
-              <a:t>11/28/2022</a:t>
+              <a:t>4/22/2024</a:t>
             </a:fld>
             <a:endParaRPr lang="en-US" dirty="0"/>
           </a:p>
@@ -5233,7 +5231,7 @@
           <a:p>
             <a:fld id="{4509A250-FF31-4206-8172-F9D3106AACB1}" type="datetimeFigureOut">
               <a:rPr lang="en-US" dirty="0"/>
-              <a:t>11/28/2022</a:t>
+              <a:t>4/22/2024</a:t>
             </a:fld>
             <a:endParaRPr lang="en-US" dirty="0"/>
           </a:p>
@@ -5662,7 +5660,7 @@
           <a:p>
             <a:fld id="{4AAD347D-5ACD-4C99-B74B-A9C85AD731AF}" type="datetimeFigureOut">
               <a:rPr lang="en-US" dirty="0"/>
-              <a:t>11/28/2022</a:t>
+              <a:t>4/22/2024</a:t>
             </a:fld>
             <a:endParaRPr lang="en-US" dirty="0"/>
           </a:p>
@@ -7505,7 +7503,7 @@
       </p:grpSpPr>
       <p:sp>
         <p:nvSpPr>
-          <p:cNvPr id="141" name="CustomShape 1"/>
+          <p:cNvPr id="137" name="CustomShape 1"/>
           <p:cNvSpPr/>
           <p:nvPr/>
         </p:nvSpPr>
@@ -7552,7 +7550,7 @@
                 </a:solidFill>
                 <a:latin typeface="Century Gothic"/>
               </a:rPr>
-              <a:t>DHCP Spoofing</a:t>
+              <a:t>Man In The Middle (MITM)</a:t>
             </a:r>
             <a:endParaRPr lang="en-US" sz="4200" b="0" strike="noStrike" spc="-1">
               <a:latin typeface="Arial"/>
@@ -7562,7 +7560,7 @@
       </p:sp>
       <p:sp>
         <p:nvSpPr>
-          <p:cNvPr id="142" name="CustomShape 2"/>
+          <p:cNvPr id="138" name="CustomShape 2"/>
           <p:cNvSpPr/>
           <p:nvPr/>
         </p:nvSpPr>
@@ -7612,13 +7610,22 @@
               <a:buChar char=""/>
             </a:pPr>
             <a:r>
+              <a:rPr lang="it-IT" sz="2000" b="0" strike="noStrike" spc="-1" dirty="0" err="1">
+                <a:solidFill>
+                  <a:srgbClr val="FFFFFF"/>
+                </a:solidFill>
+                <a:latin typeface="Century Gothic"/>
+              </a:rPr>
+              <a:t>All</a:t>
+            </a:r>
+            <a:r>
               <a:rPr lang="it-IT" sz="2000" b="0" strike="noStrike" spc="-1" dirty="0">
                 <a:solidFill>
                   <a:srgbClr val="FFFFFF"/>
                 </a:solidFill>
                 <a:latin typeface="Century Gothic"/>
               </a:rPr>
-              <a:t>DHCP Spoofing </a:t>
+              <a:t> the </a:t>
             </a:r>
             <a:r>
               <a:rPr lang="it-IT" sz="2000" b="0" strike="noStrike" spc="-1" dirty="0" err="1">
@@ -7627,7 +7634,7 @@
                 </a:solidFill>
                 <a:latin typeface="Century Gothic"/>
               </a:rPr>
-              <a:t>attack</a:t>
+              <a:t>attacks</a:t>
             </a:r>
             <a:r>
               <a:rPr lang="it-IT" sz="2000" b="0" strike="noStrike" spc="-1" dirty="0">
@@ -7645,7 +7652,7 @@
                 </a:solidFill>
                 <a:latin typeface="Century Gothic"/>
               </a:rPr>
-              <a:t>is</a:t>
+              <a:t>we</a:t>
             </a:r>
             <a:r>
               <a:rPr lang="it-IT" sz="2000" b="0" strike="noStrike" spc="-1" dirty="0">
@@ -7654,7 +7661,7 @@
                 </a:solidFill>
                 <a:latin typeface="Century Gothic"/>
               </a:rPr>
-              <a:t> the </a:t>
+              <a:t> </a:t>
             </a:r>
             <a:r>
               <a:rPr lang="it-IT" sz="2000" b="0" strike="noStrike" spc="-1" dirty="0" err="1">
@@ -7663,7 +7670,7 @@
                 </a:solidFill>
                 <a:latin typeface="Century Gothic"/>
               </a:rPr>
-              <a:t>most</a:t>
+              <a:t>built</a:t>
             </a:r>
             <a:r>
               <a:rPr lang="it-IT" sz="2000" b="0" strike="noStrike" spc="-1" dirty="0">
@@ -7672,34 +7679,7 @@
                 </a:solidFill>
                 <a:latin typeface="Century Gothic"/>
               </a:rPr>
-              <a:t> </a:t>
-            </a:r>
-            <a:r>
-              <a:rPr lang="it-IT" sz="2000" b="0" strike="noStrike" spc="-1" dirty="0" err="1">
-                <a:solidFill>
-                  <a:srgbClr val="FFFFFF"/>
-                </a:solidFill>
-                <a:latin typeface="Century Gothic"/>
-              </a:rPr>
-              <a:t>relyable</a:t>
-            </a:r>
-            <a:r>
-              <a:rPr lang="it-IT" sz="2000" b="0" strike="noStrike" spc="-1" dirty="0">
-                <a:solidFill>
-                  <a:srgbClr val="FFFFFF"/>
-                </a:solidFill>
-                <a:latin typeface="Century Gothic"/>
-              </a:rPr>
-              <a:t> MITM </a:t>
-            </a:r>
-            <a:r>
-              <a:rPr lang="it-IT" sz="2000" b="0" strike="noStrike" spc="-1" dirty="0" err="1">
-                <a:solidFill>
-                  <a:srgbClr val="FFFFFF"/>
-                </a:solidFill>
-                <a:latin typeface="Century Gothic"/>
-              </a:rPr>
-              <a:t>attack</a:t>
+              <a:t> so far are part of MITM</a:t>
             </a:r>
             <a:endParaRPr lang="en-US" sz="2000" b="0" strike="noStrike" spc="-1" dirty="0">
               <a:latin typeface="Arial"/>
@@ -7740,7 +7720,7 @@
                 </a:solidFill>
                 <a:latin typeface="Century Gothic"/>
               </a:rPr>
-              <a:t>A </a:t>
+              <a:t>A MITM </a:t>
             </a:r>
             <a:r>
               <a:rPr lang="it-IT" sz="2000" b="0" strike="noStrike" spc="-1" dirty="0" err="1">
@@ -7749,7 +7729,7 @@
                 </a:solidFill>
                 <a:latin typeface="Century Gothic"/>
               </a:rPr>
-              <a:t>victim</a:t>
+              <a:t>is</a:t>
             </a:r>
             <a:r>
               <a:rPr lang="it-IT" sz="2000" b="0" strike="noStrike" spc="-1" dirty="0">
@@ -7758,6 +7738,78 @@
                 </a:solidFill>
                 <a:latin typeface="Century Gothic"/>
               </a:rPr>
+              <a:t> a </a:t>
+            </a:r>
+            <a:r>
+              <a:rPr lang="it-IT" sz="2000" b="0" strike="noStrike" spc="-1" dirty="0" err="1">
+                <a:solidFill>
+                  <a:srgbClr val="FFFFFF"/>
+                </a:solidFill>
+                <a:latin typeface="Century Gothic"/>
+              </a:rPr>
+              <a:t>type</a:t>
+            </a:r>
+            <a:r>
+              <a:rPr lang="it-IT" sz="2000" b="0" strike="noStrike" spc="-1" dirty="0">
+                <a:solidFill>
+                  <a:srgbClr val="FFFFFF"/>
+                </a:solidFill>
+                <a:latin typeface="Century Gothic"/>
+              </a:rPr>
+              <a:t> of </a:t>
+            </a:r>
+            <a:r>
+              <a:rPr lang="it-IT" sz="2000" b="0" strike="noStrike" spc="-1" dirty="0" err="1">
+                <a:solidFill>
+                  <a:srgbClr val="FFFFFF"/>
+                </a:solidFill>
+                <a:latin typeface="Century Gothic"/>
+              </a:rPr>
+              <a:t>attack</a:t>
+            </a:r>
+            <a:r>
+              <a:rPr lang="it-IT" sz="2000" b="0" strike="noStrike" spc="-1" dirty="0">
+                <a:solidFill>
+                  <a:srgbClr val="FFFFFF"/>
+                </a:solidFill>
+                <a:latin typeface="Century Gothic"/>
+              </a:rPr>
+              <a:t> in </a:t>
+            </a:r>
+            <a:r>
+              <a:rPr lang="it-IT" sz="2000" b="0" strike="noStrike" spc="-1" dirty="0" err="1">
+                <a:solidFill>
+                  <a:srgbClr val="FFFFFF"/>
+                </a:solidFill>
+                <a:latin typeface="Century Gothic"/>
+              </a:rPr>
+              <a:t>which</a:t>
+            </a:r>
+            <a:r>
+              <a:rPr lang="it-IT" sz="2000" b="0" strike="noStrike" spc="-1" dirty="0">
+                <a:solidFill>
+                  <a:srgbClr val="FFFFFF"/>
+                </a:solidFill>
+                <a:latin typeface="Century Gothic"/>
+              </a:rPr>
+              <a:t> an Host </a:t>
+            </a:r>
+            <a:r>
+              <a:rPr lang="it-IT" sz="2000" b="0" strike="noStrike" spc="-1" dirty="0" err="1">
+                <a:solidFill>
+                  <a:srgbClr val="FFFFFF"/>
+                </a:solidFill>
+                <a:latin typeface="Century Gothic"/>
+              </a:rPr>
+              <a:t>is</a:t>
+            </a:r>
+            <a:r>
+              <a:rPr lang="it-IT" sz="2000" b="0" strike="noStrike" spc="-1" dirty="0">
+                <a:solidFill>
+                  <a:srgbClr val="FFFFFF"/>
+                </a:solidFill>
+                <a:latin typeface="Century Gothic"/>
+              </a:rPr>
               <a:t> </a:t>
             </a:r>
             <a:r>
@@ -7767,7 +7819,7 @@
                 </a:solidFill>
                 <a:latin typeface="Century Gothic"/>
               </a:rPr>
-              <a:t>will</a:t>
+              <a:t>able</a:t>
             </a:r>
             <a:r>
               <a:rPr lang="it-IT" sz="2000" b="0" strike="noStrike" spc="-1" dirty="0">
@@ -7776,6 +7828,60 @@
                 </a:solidFill>
                 <a:latin typeface="Century Gothic"/>
               </a:rPr>
+              <a:t> to </a:t>
+            </a:r>
+            <a:r>
+              <a:rPr lang="it-IT" sz="2000" b="0" strike="noStrike" spc="-1" dirty="0" err="1">
+                <a:solidFill>
+                  <a:srgbClr val="FFFFFF"/>
+                </a:solidFill>
+                <a:latin typeface="Century Gothic"/>
+              </a:rPr>
+              <a:t>capture</a:t>
+            </a:r>
+            <a:r>
+              <a:rPr lang="it-IT" sz="2000" b="0" strike="noStrike" spc="-1" dirty="0">
+                <a:solidFill>
+                  <a:srgbClr val="FFFFFF"/>
+                </a:solidFill>
+                <a:latin typeface="Century Gothic"/>
+              </a:rPr>
+              <a:t>, </a:t>
+            </a:r>
+            <a:r>
+              <a:rPr lang="it-IT" sz="2000" b="0" strike="noStrike" spc="-1" dirty="0" err="1">
+                <a:solidFill>
+                  <a:srgbClr val="FFFFFF"/>
+                </a:solidFill>
+                <a:latin typeface="Century Gothic"/>
+              </a:rPr>
+              <a:t>read</a:t>
+            </a:r>
+            <a:r>
+              <a:rPr lang="it-IT" sz="2000" b="0" strike="noStrike" spc="-1" dirty="0">
+                <a:solidFill>
+                  <a:srgbClr val="FFFFFF"/>
+                </a:solidFill>
+                <a:latin typeface="Century Gothic"/>
+              </a:rPr>
+              <a:t> and </a:t>
+            </a:r>
+            <a:r>
+              <a:rPr lang="it-IT" sz="2000" b="0" strike="noStrike" spc="-1" dirty="0" err="1">
+                <a:solidFill>
+                  <a:srgbClr val="FFFFFF"/>
+                </a:solidFill>
+                <a:latin typeface="Century Gothic"/>
+              </a:rPr>
+              <a:t>forward</a:t>
+            </a:r>
+            <a:r>
+              <a:rPr lang="it-IT" sz="2000" b="0" strike="noStrike" spc="-1" dirty="0">
+                <a:solidFill>
+                  <a:srgbClr val="FFFFFF"/>
+                </a:solidFill>
+                <a:latin typeface="Century Gothic"/>
+              </a:rPr>
               <a:t> </a:t>
             </a:r>
             <a:r>
@@ -7785,7 +7891,7 @@
                 </a:solidFill>
                 <a:latin typeface="Century Gothic"/>
               </a:rPr>
-              <a:t>receive</a:t>
+              <a:t>packets</a:t>
             </a:r>
             <a:r>
               <a:rPr lang="it-IT" sz="2000" b="0" strike="noStrike" spc="-1" dirty="0">
@@ -7794,7 +7900,7 @@
                 </a:solidFill>
                 <a:latin typeface="Century Gothic"/>
               </a:rPr>
-              <a:t> an IP </a:t>
+              <a:t> of </a:t>
             </a:r>
             <a:r>
               <a:rPr lang="it-IT" sz="2000" b="0" strike="noStrike" spc="-1" dirty="0" err="1">
@@ -7803,7 +7909,7 @@
                 </a:solidFill>
                 <a:latin typeface="Century Gothic"/>
               </a:rPr>
-              <a:t>address</a:t>
+              <a:t>other</a:t>
             </a:r>
             <a:r>
               <a:rPr lang="it-IT" sz="2000" b="0" strike="noStrike" spc="-1" dirty="0">
@@ -7812,7 +7918,7 @@
                 </a:solidFill>
                 <a:latin typeface="Century Gothic"/>
               </a:rPr>
-              <a:t> from the </a:t>
+              <a:t> </a:t>
             </a:r>
             <a:r>
               <a:rPr lang="it-IT" sz="2000" b="0" strike="noStrike" spc="-1" dirty="0" err="1">
@@ -7821,79 +7927,7 @@
                 </a:solidFill>
                 <a:latin typeface="Century Gothic"/>
               </a:rPr>
-              <a:t>Rogue</a:t>
-            </a:r>
-            <a:r>
-              <a:rPr lang="it-IT" sz="2000" b="0" strike="noStrike" spc="-1" dirty="0">
-                <a:solidFill>
-                  <a:srgbClr val="FFFFFF"/>
-                </a:solidFill>
-                <a:latin typeface="Century Gothic"/>
-              </a:rPr>
-              <a:t> DHCP server and </a:t>
-            </a:r>
-            <a:r>
-              <a:rPr lang="it-IT" sz="2000" b="0" strike="noStrike" spc="-1" dirty="0" err="1">
-                <a:solidFill>
-                  <a:srgbClr val="FFFFFF"/>
-                </a:solidFill>
-                <a:latin typeface="Century Gothic"/>
-              </a:rPr>
-              <a:t>will</a:t>
-            </a:r>
-            <a:r>
-              <a:rPr lang="it-IT" sz="2000" b="0" strike="noStrike" spc="-1" dirty="0">
-                <a:solidFill>
-                  <a:srgbClr val="FFFFFF"/>
-                </a:solidFill>
-                <a:latin typeface="Century Gothic"/>
-              </a:rPr>
-              <a:t> be </a:t>
-            </a:r>
-            <a:r>
-              <a:rPr lang="it-IT" sz="2000" b="0" strike="noStrike" spc="-1" dirty="0" err="1">
-                <a:solidFill>
-                  <a:srgbClr val="FFFFFF"/>
-                </a:solidFill>
-                <a:latin typeface="Century Gothic"/>
-              </a:rPr>
-              <a:t>connected</a:t>
-            </a:r>
-            <a:r>
-              <a:rPr lang="it-IT" sz="2000" b="0" strike="noStrike" spc="-1" dirty="0">
-                <a:solidFill>
-                  <a:srgbClr val="FFFFFF"/>
-                </a:solidFill>
-                <a:latin typeface="Century Gothic"/>
-              </a:rPr>
-              <a:t> to </a:t>
-            </a:r>
-            <a:r>
-              <a:rPr lang="it-IT" sz="2000" b="0" strike="noStrike" spc="-1" dirty="0" err="1">
-                <a:solidFill>
-                  <a:srgbClr val="FFFFFF"/>
-                </a:solidFill>
-                <a:latin typeface="Century Gothic"/>
-              </a:rPr>
-              <a:t>its</a:t>
-            </a:r>
-            <a:r>
-              <a:rPr lang="it-IT" sz="2000" b="0" strike="noStrike" spc="-1" dirty="0">
-                <a:solidFill>
-                  <a:srgbClr val="FFFFFF"/>
-                </a:solidFill>
-                <a:latin typeface="Century Gothic"/>
-              </a:rPr>
-              <a:t> </a:t>
-            </a:r>
-            <a:r>
-              <a:rPr lang="it-IT" sz="2000" b="0" strike="noStrike" spc="-1" dirty="0" err="1">
-                <a:solidFill>
-                  <a:srgbClr val="FFFFFF"/>
-                </a:solidFill>
-                <a:latin typeface="Century Gothic"/>
-              </a:rPr>
-              <a:t>subnet</a:t>
+              <a:t>hosts</a:t>
             </a:r>
             <a:endParaRPr lang="en-US" sz="2000" b="0" strike="noStrike" spc="-1" dirty="0">
               <a:latin typeface="Arial"/>
@@ -7934,7 +7968,7 @@
                 </a:solidFill>
                 <a:latin typeface="Century Gothic"/>
               </a:rPr>
-              <a:t>All</a:t>
+              <a:t>We</a:t>
             </a:r>
             <a:r>
               <a:rPr lang="it-IT" sz="2000" b="0" strike="noStrike" spc="-1" dirty="0">
@@ -7952,7 +7986,7 @@
                 </a:solidFill>
                 <a:latin typeface="Century Gothic"/>
               </a:rPr>
-              <a:t>traffick</a:t>
+              <a:t>will</a:t>
             </a:r>
             <a:r>
               <a:rPr lang="it-IT" sz="2000" b="0" strike="noStrike" spc="-1" dirty="0">
@@ -7970,7 +8004,7 @@
                 </a:solidFill>
                 <a:latin typeface="Century Gothic"/>
               </a:rPr>
-              <a:t>will</a:t>
+              <a:t>try</a:t>
             </a:r>
             <a:r>
               <a:rPr lang="it-IT" sz="2000" b="0" strike="noStrike" spc="-1" dirty="0">
@@ -7979,7 +8013,7 @@
                 </a:solidFill>
                 <a:latin typeface="Century Gothic"/>
               </a:rPr>
-              <a:t> be </a:t>
+              <a:t> to create a full-duplex MITM, </a:t>
             </a:r>
             <a:r>
               <a:rPr lang="it-IT" sz="2000" b="0" strike="noStrike" spc="-1" dirty="0" err="1">
@@ -7988,7 +8022,7 @@
                 </a:solidFill>
                 <a:latin typeface="Century Gothic"/>
               </a:rPr>
-              <a:t>captured</a:t>
+              <a:t>based</a:t>
             </a:r>
             <a:r>
               <a:rPr lang="it-IT" sz="2000" b="0" strike="noStrike" spc="-1" dirty="0">
@@ -7997,7 +8031,7 @@
                 </a:solidFill>
                 <a:latin typeface="Century Gothic"/>
               </a:rPr>
-              <a:t> from the </a:t>
+              <a:t> on ARP Spoofing, </a:t>
             </a:r>
             <a:r>
               <a:rPr lang="it-IT" sz="2000" b="0" strike="noStrike" spc="-1" dirty="0" err="1">
@@ -8006,7 +8040,7 @@
                 </a:solidFill>
                 <a:latin typeface="Century Gothic"/>
               </a:rPr>
-              <a:t>Rogue</a:t>
+              <a:t>using</a:t>
             </a:r>
             <a:r>
               <a:rPr lang="it-IT" sz="2000" b="0" strike="noStrike" spc="-1" dirty="0">
@@ -8015,7 +8049,16 @@
                 </a:solidFill>
                 <a:latin typeface="Century Gothic"/>
               </a:rPr>
-              <a:t> server</a:t>
+              <a:t> </a:t>
+            </a:r>
+            <a:r>
+              <a:rPr lang="it-IT" sz="2000" b="0" strike="noStrike" spc="-1" dirty="0" err="1">
+                <a:solidFill>
+                  <a:srgbClr val="FFFFFF"/>
+                </a:solidFill>
+                <a:latin typeface="Century Gothic"/>
+              </a:rPr>
+              <a:t>ettercap</a:t>
             </a:r>
             <a:endParaRPr lang="en-US" sz="2000" b="0" strike="noStrike" spc="-1" dirty="0">
               <a:latin typeface="Arial"/>
@@ -8032,701 +8075,6 @@
 </file>
 
 <file path=ppt/slides/slide5.xml><?xml version="1.0" encoding="utf-8"?>
-<p:sld xmlns:a="http://schemas.openxmlformats.org/drawingml/2006/main" xmlns:r="http://schemas.openxmlformats.org/officeDocument/2006/relationships" xmlns:p="http://schemas.openxmlformats.org/presentationml/2006/main">
-  <p:cSld>
-    <p:spTree>
-      <p:nvGrpSpPr>
-        <p:cNvPr id="1" name=""/>
-        <p:cNvGrpSpPr/>
-        <p:nvPr/>
-      </p:nvGrpSpPr>
-      <p:grpSpPr>
-        <a:xfrm>
-          <a:off x="0" y="0"/>
-          <a:ext cx="0" cy="0"/>
-          <a:chOff x="0" y="0"/>
-          <a:chExt cx="0" cy="0"/>
-        </a:xfrm>
-      </p:grpSpPr>
-      <p:sp>
-        <p:nvSpPr>
-          <p:cNvPr id="143" name="CustomShape 1"/>
-          <p:cNvSpPr/>
-          <p:nvPr/>
-        </p:nvSpPr>
-        <p:spPr>
-          <a:xfrm>
-            <a:off x="646200" y="452880"/>
-            <a:ext cx="9403920" cy="1399680"/>
-          </a:xfrm>
-          <a:prstGeom prst="rect">
-            <a:avLst/>
-          </a:prstGeom>
-          <a:noFill/>
-          <a:ln>
-            <a:noFill/>
-          </a:ln>
-        </p:spPr>
-        <p:style>
-          <a:lnRef idx="0">
-            <a:scrgbClr r="0" g="0" b="0"/>
-          </a:lnRef>
-          <a:fillRef idx="0">
-            <a:scrgbClr r="0" g="0" b="0"/>
-          </a:fillRef>
-          <a:effectRef idx="0">
-            <a:scrgbClr r="0" g="0" b="0"/>
-          </a:effectRef>
-          <a:fontRef idx="minor"/>
-        </p:style>
-        <p:txBody>
-          <a:bodyPr lIns="0" tIns="0" rIns="0" bIns="0" anchor="ctr">
-            <a:noAutofit/>
-          </a:bodyPr>
-          <a:lstStyle/>
-          <a:p>
-            <a:pPr>
-              <a:lnSpc>
-                <a:spcPct val="100000"/>
-              </a:lnSpc>
-            </a:pPr>
-            <a:r>
-              <a:rPr lang="it-IT" sz="4200" b="0" strike="noStrike" spc="-1">
-                <a:solidFill>
-                  <a:srgbClr val="EBEBEB"/>
-                </a:solidFill>
-                <a:latin typeface="Century Gothic"/>
-              </a:rPr>
-              <a:t>DHCP Spoofing</a:t>
-            </a:r>
-            <a:endParaRPr lang="en-US" sz="4200" b="0" strike="noStrike" spc="-1">
-              <a:latin typeface="Arial"/>
-            </a:endParaRPr>
-          </a:p>
-        </p:txBody>
-      </p:sp>
-      <p:pic>
-        <p:nvPicPr>
-          <p:cNvPr id="144" name="Immagine 143"/>
-          <p:cNvPicPr/>
-          <p:nvPr/>
-        </p:nvPicPr>
-        <p:blipFill>
-          <a:blip r:embed="rId2"/>
-          <a:stretch/>
-        </p:blipFill>
-        <p:spPr>
-          <a:xfrm>
-            <a:off x="1645920" y="1852920"/>
-            <a:ext cx="8819280" cy="4012560"/>
-          </a:xfrm>
-          <a:prstGeom prst="rect">
-            <a:avLst/>
-          </a:prstGeom>
-          <a:ln>
-            <a:noFill/>
-          </a:ln>
-        </p:spPr>
-      </p:pic>
-    </p:spTree>
-  </p:cSld>
-  <p:clrMapOvr>
-    <a:masterClrMapping/>
-  </p:clrMapOvr>
-</p:sld>
-</file>
-
-<file path=ppt/slides/slide6.xml><?xml version="1.0" encoding="utf-8"?>
-<p:sld xmlns:a="http://schemas.openxmlformats.org/drawingml/2006/main" xmlns:r="http://schemas.openxmlformats.org/officeDocument/2006/relationships" xmlns:p="http://schemas.openxmlformats.org/presentationml/2006/main">
-  <p:cSld>
-    <p:spTree>
-      <p:nvGrpSpPr>
-        <p:cNvPr id="1" name=""/>
-        <p:cNvGrpSpPr/>
-        <p:nvPr/>
-      </p:nvGrpSpPr>
-      <p:grpSpPr>
-        <a:xfrm>
-          <a:off x="0" y="0"/>
-          <a:ext cx="0" cy="0"/>
-          <a:chOff x="0" y="0"/>
-          <a:chExt cx="0" cy="0"/>
-        </a:xfrm>
-      </p:grpSpPr>
-      <p:sp>
-        <p:nvSpPr>
-          <p:cNvPr id="137" name="CustomShape 1"/>
-          <p:cNvSpPr/>
-          <p:nvPr/>
-        </p:nvSpPr>
-        <p:spPr>
-          <a:xfrm>
-            <a:off x="646200" y="452880"/>
-            <a:ext cx="9403920" cy="1399680"/>
-          </a:xfrm>
-          <a:prstGeom prst="rect">
-            <a:avLst/>
-          </a:prstGeom>
-          <a:noFill/>
-          <a:ln>
-            <a:noFill/>
-          </a:ln>
-        </p:spPr>
-        <p:style>
-          <a:lnRef idx="0">
-            <a:scrgbClr r="0" g="0" b="0"/>
-          </a:lnRef>
-          <a:fillRef idx="0">
-            <a:scrgbClr r="0" g="0" b="0"/>
-          </a:fillRef>
-          <a:effectRef idx="0">
-            <a:scrgbClr r="0" g="0" b="0"/>
-          </a:effectRef>
-          <a:fontRef idx="minor"/>
-        </p:style>
-        <p:txBody>
-          <a:bodyPr lIns="90000" tIns="45000" rIns="90000" bIns="45000">
-            <a:noAutofit/>
-          </a:bodyPr>
-          <a:lstStyle/>
-          <a:p>
-            <a:pPr>
-              <a:lnSpc>
-                <a:spcPct val="100000"/>
-              </a:lnSpc>
-            </a:pPr>
-            <a:r>
-              <a:rPr lang="it-IT" sz="4200" b="0" strike="noStrike" spc="-1">
-                <a:solidFill>
-                  <a:srgbClr val="EBEBEB"/>
-                </a:solidFill>
-                <a:latin typeface="Century Gothic"/>
-              </a:rPr>
-              <a:t>Man In The Middle (MITM)</a:t>
-            </a:r>
-            <a:endParaRPr lang="en-US" sz="4200" b="0" strike="noStrike" spc="-1">
-              <a:latin typeface="Arial"/>
-            </a:endParaRPr>
-          </a:p>
-        </p:txBody>
-      </p:sp>
-      <p:sp>
-        <p:nvSpPr>
-          <p:cNvPr id="138" name="CustomShape 2"/>
-          <p:cNvSpPr/>
-          <p:nvPr/>
-        </p:nvSpPr>
-        <p:spPr>
-          <a:xfrm>
-            <a:off x="1103400" y="2053080"/>
-            <a:ext cx="8946000" cy="4194720"/>
-          </a:xfrm>
-          <a:prstGeom prst="rect">
-            <a:avLst/>
-          </a:prstGeom>
-          <a:noFill/>
-          <a:ln>
-            <a:noFill/>
-          </a:ln>
-        </p:spPr>
-        <p:style>
-          <a:lnRef idx="0">
-            <a:scrgbClr r="0" g="0" b="0"/>
-          </a:lnRef>
-          <a:fillRef idx="0">
-            <a:scrgbClr r="0" g="0" b="0"/>
-          </a:fillRef>
-          <a:effectRef idx="0">
-            <a:scrgbClr r="0" g="0" b="0"/>
-          </a:effectRef>
-          <a:fontRef idx="minor"/>
-        </p:style>
-        <p:txBody>
-          <a:bodyPr lIns="90000" tIns="45000" rIns="90000" bIns="45000">
-            <a:noAutofit/>
-          </a:bodyPr>
-          <a:lstStyle/>
-          <a:p>
-            <a:pPr marL="343080" indent="-342360">
-              <a:lnSpc>
-                <a:spcPct val="100000"/>
-              </a:lnSpc>
-              <a:spcBef>
-                <a:spcPts val="1001"/>
-              </a:spcBef>
-              <a:buClr>
-                <a:srgbClr val="8AD0D6"/>
-              </a:buClr>
-              <a:buSzPct val="80000"/>
-              <a:buFont typeface="Wingdings 3" charset="2"/>
-              <a:buChar char=""/>
-            </a:pPr>
-            <a:r>
-              <a:rPr lang="it-IT" sz="2000" b="0" strike="noStrike" spc="-1" dirty="0" err="1">
-                <a:solidFill>
-                  <a:srgbClr val="FFFFFF"/>
-                </a:solidFill>
-                <a:latin typeface="Century Gothic"/>
-              </a:rPr>
-              <a:t>All</a:t>
-            </a:r>
-            <a:r>
-              <a:rPr lang="it-IT" sz="2000" b="0" strike="noStrike" spc="-1" dirty="0">
-                <a:solidFill>
-                  <a:srgbClr val="FFFFFF"/>
-                </a:solidFill>
-                <a:latin typeface="Century Gothic"/>
-              </a:rPr>
-              <a:t> the </a:t>
-            </a:r>
-            <a:r>
-              <a:rPr lang="it-IT" sz="2000" b="0" strike="noStrike" spc="-1" dirty="0" err="1">
-                <a:solidFill>
-                  <a:srgbClr val="FFFFFF"/>
-                </a:solidFill>
-                <a:latin typeface="Century Gothic"/>
-              </a:rPr>
-              <a:t>attacks</a:t>
-            </a:r>
-            <a:r>
-              <a:rPr lang="it-IT" sz="2000" b="0" strike="noStrike" spc="-1" dirty="0">
-                <a:solidFill>
-                  <a:srgbClr val="FFFFFF"/>
-                </a:solidFill>
-                <a:latin typeface="Century Gothic"/>
-              </a:rPr>
-              <a:t> </a:t>
-            </a:r>
-            <a:r>
-              <a:rPr lang="it-IT" sz="2000" b="0" strike="noStrike" spc="-1" dirty="0" err="1">
-                <a:solidFill>
-                  <a:srgbClr val="FFFFFF"/>
-                </a:solidFill>
-                <a:latin typeface="Century Gothic"/>
-              </a:rPr>
-              <a:t>we</a:t>
-            </a:r>
-            <a:r>
-              <a:rPr lang="it-IT" sz="2000" b="0" strike="noStrike" spc="-1" dirty="0">
-                <a:solidFill>
-                  <a:srgbClr val="FFFFFF"/>
-                </a:solidFill>
-                <a:latin typeface="Century Gothic"/>
-              </a:rPr>
-              <a:t> </a:t>
-            </a:r>
-            <a:r>
-              <a:rPr lang="it-IT" sz="2000" b="0" strike="noStrike" spc="-1" dirty="0" err="1">
-                <a:solidFill>
-                  <a:srgbClr val="FFFFFF"/>
-                </a:solidFill>
-                <a:latin typeface="Century Gothic"/>
-              </a:rPr>
-              <a:t>built</a:t>
-            </a:r>
-            <a:r>
-              <a:rPr lang="it-IT" sz="2000" b="0" strike="noStrike" spc="-1" dirty="0">
-                <a:solidFill>
-                  <a:srgbClr val="FFFFFF"/>
-                </a:solidFill>
-                <a:latin typeface="Century Gothic"/>
-              </a:rPr>
-              <a:t> so far are part of MITM</a:t>
-            </a:r>
-            <a:endParaRPr lang="en-US" sz="2000" b="0" strike="noStrike" spc="-1" dirty="0">
-              <a:latin typeface="Arial"/>
-            </a:endParaRPr>
-          </a:p>
-          <a:p>
-            <a:pPr>
-              <a:lnSpc>
-                <a:spcPct val="100000"/>
-              </a:lnSpc>
-              <a:spcBef>
-                <a:spcPts val="1001"/>
-              </a:spcBef>
-            </a:pPr>
-            <a:endParaRPr lang="en-US" sz="2000" b="0" strike="noStrike" spc="-1" dirty="0">
-              <a:latin typeface="Arial"/>
-            </a:endParaRPr>
-          </a:p>
-          <a:p>
-            <a:pPr marL="343080" indent="-342360">
-              <a:lnSpc>
-                <a:spcPct val="100000"/>
-              </a:lnSpc>
-              <a:spcBef>
-                <a:spcPts val="1001"/>
-              </a:spcBef>
-              <a:buClr>
-                <a:srgbClr val="8AD0D6"/>
-              </a:buClr>
-              <a:buSzPct val="80000"/>
-              <a:buFont typeface="Wingdings 3" charset="2"/>
-              <a:buChar char=""/>
-            </a:pPr>
-            <a:r>
-              <a:rPr lang="it-IT" sz="2000" b="0" strike="noStrike" spc="-1" dirty="0">
-                <a:solidFill>
-                  <a:srgbClr val="FFFFFF"/>
-                </a:solidFill>
-                <a:latin typeface="Century Gothic"/>
-              </a:rPr>
-              <a:t>A MITM </a:t>
-            </a:r>
-            <a:r>
-              <a:rPr lang="it-IT" sz="2000" b="0" strike="noStrike" spc="-1" dirty="0" err="1">
-                <a:solidFill>
-                  <a:srgbClr val="FFFFFF"/>
-                </a:solidFill>
-                <a:latin typeface="Century Gothic"/>
-              </a:rPr>
-              <a:t>is</a:t>
-            </a:r>
-            <a:r>
-              <a:rPr lang="it-IT" sz="2000" b="0" strike="noStrike" spc="-1" dirty="0">
-                <a:solidFill>
-                  <a:srgbClr val="FFFFFF"/>
-                </a:solidFill>
-                <a:latin typeface="Century Gothic"/>
-              </a:rPr>
-              <a:t> a </a:t>
-            </a:r>
-            <a:r>
-              <a:rPr lang="it-IT" sz="2000" b="0" strike="noStrike" spc="-1" dirty="0" err="1">
-                <a:solidFill>
-                  <a:srgbClr val="FFFFFF"/>
-                </a:solidFill>
-                <a:latin typeface="Century Gothic"/>
-              </a:rPr>
-              <a:t>type</a:t>
-            </a:r>
-            <a:r>
-              <a:rPr lang="it-IT" sz="2000" b="0" strike="noStrike" spc="-1" dirty="0">
-                <a:solidFill>
-                  <a:srgbClr val="FFFFFF"/>
-                </a:solidFill>
-                <a:latin typeface="Century Gothic"/>
-              </a:rPr>
-              <a:t> of </a:t>
-            </a:r>
-            <a:r>
-              <a:rPr lang="it-IT" sz="2000" b="0" strike="noStrike" spc="-1" dirty="0" err="1">
-                <a:solidFill>
-                  <a:srgbClr val="FFFFFF"/>
-                </a:solidFill>
-                <a:latin typeface="Century Gothic"/>
-              </a:rPr>
-              <a:t>attack</a:t>
-            </a:r>
-            <a:r>
-              <a:rPr lang="it-IT" sz="2000" b="0" strike="noStrike" spc="-1" dirty="0">
-                <a:solidFill>
-                  <a:srgbClr val="FFFFFF"/>
-                </a:solidFill>
-                <a:latin typeface="Century Gothic"/>
-              </a:rPr>
-              <a:t> in </a:t>
-            </a:r>
-            <a:r>
-              <a:rPr lang="it-IT" sz="2000" b="0" strike="noStrike" spc="-1" dirty="0" err="1">
-                <a:solidFill>
-                  <a:srgbClr val="FFFFFF"/>
-                </a:solidFill>
-                <a:latin typeface="Century Gothic"/>
-              </a:rPr>
-              <a:t>which</a:t>
-            </a:r>
-            <a:r>
-              <a:rPr lang="it-IT" sz="2000" b="0" strike="noStrike" spc="-1" dirty="0">
-                <a:solidFill>
-                  <a:srgbClr val="FFFFFF"/>
-                </a:solidFill>
-                <a:latin typeface="Century Gothic"/>
-              </a:rPr>
-              <a:t> an Host </a:t>
-            </a:r>
-            <a:r>
-              <a:rPr lang="it-IT" sz="2000" b="0" strike="noStrike" spc="-1" dirty="0" err="1">
-                <a:solidFill>
-                  <a:srgbClr val="FFFFFF"/>
-                </a:solidFill>
-                <a:latin typeface="Century Gothic"/>
-              </a:rPr>
-              <a:t>is</a:t>
-            </a:r>
-            <a:r>
-              <a:rPr lang="it-IT" sz="2000" b="0" strike="noStrike" spc="-1" dirty="0">
-                <a:solidFill>
-                  <a:srgbClr val="FFFFFF"/>
-                </a:solidFill>
-                <a:latin typeface="Century Gothic"/>
-              </a:rPr>
-              <a:t> </a:t>
-            </a:r>
-            <a:r>
-              <a:rPr lang="it-IT" sz="2000" b="0" strike="noStrike" spc="-1" dirty="0" err="1">
-                <a:solidFill>
-                  <a:srgbClr val="FFFFFF"/>
-                </a:solidFill>
-                <a:latin typeface="Century Gothic"/>
-              </a:rPr>
-              <a:t>able</a:t>
-            </a:r>
-            <a:r>
-              <a:rPr lang="it-IT" sz="2000" b="0" strike="noStrike" spc="-1" dirty="0">
-                <a:solidFill>
-                  <a:srgbClr val="FFFFFF"/>
-                </a:solidFill>
-                <a:latin typeface="Century Gothic"/>
-              </a:rPr>
-              <a:t> to </a:t>
-            </a:r>
-            <a:r>
-              <a:rPr lang="it-IT" sz="2000" b="0" strike="noStrike" spc="-1" dirty="0" err="1">
-                <a:solidFill>
-                  <a:srgbClr val="FFFFFF"/>
-                </a:solidFill>
-                <a:latin typeface="Century Gothic"/>
-              </a:rPr>
-              <a:t>capture</a:t>
-            </a:r>
-            <a:r>
-              <a:rPr lang="it-IT" sz="2000" b="0" strike="noStrike" spc="-1" dirty="0">
-                <a:solidFill>
-                  <a:srgbClr val="FFFFFF"/>
-                </a:solidFill>
-                <a:latin typeface="Century Gothic"/>
-              </a:rPr>
-              <a:t>, </a:t>
-            </a:r>
-            <a:r>
-              <a:rPr lang="it-IT" sz="2000" b="0" strike="noStrike" spc="-1" dirty="0" err="1">
-                <a:solidFill>
-                  <a:srgbClr val="FFFFFF"/>
-                </a:solidFill>
-                <a:latin typeface="Century Gothic"/>
-              </a:rPr>
-              <a:t>read</a:t>
-            </a:r>
-            <a:r>
-              <a:rPr lang="it-IT" sz="2000" b="0" strike="noStrike" spc="-1" dirty="0">
-                <a:solidFill>
-                  <a:srgbClr val="FFFFFF"/>
-                </a:solidFill>
-                <a:latin typeface="Century Gothic"/>
-              </a:rPr>
-              <a:t> and </a:t>
-            </a:r>
-            <a:r>
-              <a:rPr lang="it-IT" sz="2000" b="0" strike="noStrike" spc="-1" dirty="0" err="1">
-                <a:solidFill>
-                  <a:srgbClr val="FFFFFF"/>
-                </a:solidFill>
-                <a:latin typeface="Century Gothic"/>
-              </a:rPr>
-              <a:t>forward</a:t>
-            </a:r>
-            <a:r>
-              <a:rPr lang="it-IT" sz="2000" b="0" strike="noStrike" spc="-1" dirty="0">
-                <a:solidFill>
-                  <a:srgbClr val="FFFFFF"/>
-                </a:solidFill>
-                <a:latin typeface="Century Gothic"/>
-              </a:rPr>
-              <a:t> </a:t>
-            </a:r>
-            <a:r>
-              <a:rPr lang="it-IT" sz="2000" b="0" strike="noStrike" spc="-1" dirty="0" err="1">
-                <a:solidFill>
-                  <a:srgbClr val="FFFFFF"/>
-                </a:solidFill>
-                <a:latin typeface="Century Gothic"/>
-              </a:rPr>
-              <a:t>packets</a:t>
-            </a:r>
-            <a:r>
-              <a:rPr lang="it-IT" sz="2000" b="0" strike="noStrike" spc="-1" dirty="0">
-                <a:solidFill>
-                  <a:srgbClr val="FFFFFF"/>
-                </a:solidFill>
-                <a:latin typeface="Century Gothic"/>
-              </a:rPr>
-              <a:t> of </a:t>
-            </a:r>
-            <a:r>
-              <a:rPr lang="it-IT" sz="2000" b="0" strike="noStrike" spc="-1" dirty="0" err="1">
-                <a:solidFill>
-                  <a:srgbClr val="FFFFFF"/>
-                </a:solidFill>
-                <a:latin typeface="Century Gothic"/>
-              </a:rPr>
-              <a:t>other</a:t>
-            </a:r>
-            <a:r>
-              <a:rPr lang="it-IT" sz="2000" b="0" strike="noStrike" spc="-1" dirty="0">
-                <a:solidFill>
-                  <a:srgbClr val="FFFFFF"/>
-                </a:solidFill>
-                <a:latin typeface="Century Gothic"/>
-              </a:rPr>
-              <a:t> </a:t>
-            </a:r>
-            <a:r>
-              <a:rPr lang="it-IT" sz="2000" b="0" strike="noStrike" spc="-1" dirty="0" err="1">
-                <a:solidFill>
-                  <a:srgbClr val="FFFFFF"/>
-                </a:solidFill>
-                <a:latin typeface="Century Gothic"/>
-              </a:rPr>
-              <a:t>hosts</a:t>
-            </a:r>
-            <a:endParaRPr lang="en-US" sz="2000" b="0" strike="noStrike" spc="-1" dirty="0">
-              <a:latin typeface="Arial"/>
-            </a:endParaRPr>
-          </a:p>
-          <a:p>
-            <a:pPr>
-              <a:lnSpc>
-                <a:spcPct val="100000"/>
-              </a:lnSpc>
-              <a:spcBef>
-                <a:spcPts val="1001"/>
-              </a:spcBef>
-            </a:pPr>
-            <a:endParaRPr lang="en-US" sz="2000" b="0" strike="noStrike" spc="-1" dirty="0">
-              <a:latin typeface="Arial"/>
-            </a:endParaRPr>
-          </a:p>
-          <a:p>
-            <a:pPr marL="343080" indent="-342360">
-              <a:lnSpc>
-                <a:spcPct val="100000"/>
-              </a:lnSpc>
-              <a:spcBef>
-                <a:spcPts val="1001"/>
-              </a:spcBef>
-              <a:buClr>
-                <a:srgbClr val="8AD0D6"/>
-              </a:buClr>
-              <a:buSzPct val="80000"/>
-              <a:buFont typeface="Wingdings 3" charset="2"/>
-              <a:buChar char=""/>
-            </a:pPr>
-            <a:r>
-              <a:rPr lang="it-IT" sz="2000" b="0" strike="noStrike" spc="-1" dirty="0" err="1">
-                <a:solidFill>
-                  <a:srgbClr val="FFFFFF"/>
-                </a:solidFill>
-                <a:latin typeface="Century Gothic"/>
-              </a:rPr>
-              <a:t>We</a:t>
-            </a:r>
-            <a:r>
-              <a:rPr lang="it-IT" sz="2000" b="0" strike="noStrike" spc="-1" dirty="0">
-                <a:solidFill>
-                  <a:srgbClr val="FFFFFF"/>
-                </a:solidFill>
-                <a:latin typeface="Century Gothic"/>
-              </a:rPr>
-              <a:t> </a:t>
-            </a:r>
-            <a:r>
-              <a:rPr lang="it-IT" sz="2000" b="0" strike="noStrike" spc="-1" dirty="0" err="1">
-                <a:solidFill>
-                  <a:srgbClr val="FFFFFF"/>
-                </a:solidFill>
-                <a:latin typeface="Century Gothic"/>
-              </a:rPr>
-              <a:t>will</a:t>
-            </a:r>
-            <a:r>
-              <a:rPr lang="it-IT" sz="2000" b="0" strike="noStrike" spc="-1" dirty="0">
-                <a:solidFill>
-                  <a:srgbClr val="FFFFFF"/>
-                </a:solidFill>
-                <a:latin typeface="Century Gothic"/>
-              </a:rPr>
-              <a:t> </a:t>
-            </a:r>
-            <a:r>
-              <a:rPr lang="it-IT" sz="2000" b="0" strike="noStrike" spc="-1" dirty="0" err="1">
-                <a:solidFill>
-                  <a:srgbClr val="FFFFFF"/>
-                </a:solidFill>
-                <a:latin typeface="Century Gothic"/>
-              </a:rPr>
-              <a:t>try</a:t>
-            </a:r>
-            <a:r>
-              <a:rPr lang="it-IT" sz="2000" b="0" strike="noStrike" spc="-1" dirty="0">
-                <a:solidFill>
-                  <a:srgbClr val="FFFFFF"/>
-                </a:solidFill>
-                <a:latin typeface="Century Gothic"/>
-              </a:rPr>
-              <a:t> to create a full-duplex MITM, </a:t>
-            </a:r>
-            <a:r>
-              <a:rPr lang="it-IT" sz="2000" b="0" strike="noStrike" spc="-1" dirty="0" err="1">
-                <a:solidFill>
-                  <a:srgbClr val="FFFFFF"/>
-                </a:solidFill>
-                <a:latin typeface="Century Gothic"/>
-              </a:rPr>
-              <a:t>based</a:t>
-            </a:r>
-            <a:r>
-              <a:rPr lang="it-IT" sz="2000" b="0" strike="noStrike" spc="-1" dirty="0">
-                <a:solidFill>
-                  <a:srgbClr val="FFFFFF"/>
-                </a:solidFill>
-                <a:latin typeface="Century Gothic"/>
-              </a:rPr>
-              <a:t> on ARP Spoofing, </a:t>
-            </a:r>
-            <a:r>
-              <a:rPr lang="it-IT" sz="2000" b="0" strike="noStrike" spc="-1" dirty="0" err="1">
-                <a:solidFill>
-                  <a:srgbClr val="FFFFFF"/>
-                </a:solidFill>
-                <a:latin typeface="Century Gothic"/>
-              </a:rPr>
-              <a:t>using</a:t>
-            </a:r>
-            <a:r>
-              <a:rPr lang="it-IT" sz="2000" b="0" strike="noStrike" spc="-1" dirty="0">
-                <a:solidFill>
-                  <a:srgbClr val="FFFFFF"/>
-                </a:solidFill>
-                <a:latin typeface="Century Gothic"/>
-              </a:rPr>
-              <a:t> </a:t>
-            </a:r>
-            <a:r>
-              <a:rPr lang="it-IT" sz="2000" b="0" strike="noStrike" spc="-1" dirty="0" err="1">
-                <a:solidFill>
-                  <a:srgbClr val="FFFFFF"/>
-                </a:solidFill>
-                <a:latin typeface="Century Gothic"/>
-              </a:rPr>
-              <a:t>ettercap</a:t>
-            </a:r>
-            <a:endParaRPr lang="en-US" sz="2000" b="0" strike="noStrike" spc="-1" dirty="0">
-              <a:latin typeface="Arial"/>
-            </a:endParaRPr>
-          </a:p>
-        </p:txBody>
-      </p:sp>
-    </p:spTree>
-  </p:cSld>
-  <p:clrMapOvr>
-    <a:masterClrMapping/>
-  </p:clrMapOvr>
-</p:sld>
-</file>
-
-<file path=ppt/slides/slide7.xml><?xml version="1.0" encoding="utf-8"?>
 <p:sld xmlns:a="http://schemas.openxmlformats.org/drawingml/2006/main" xmlns:r="http://schemas.openxmlformats.org/officeDocument/2006/relationships" xmlns:p="http://schemas.openxmlformats.org/presentationml/2006/main">
   <p:cSld>
     <p:spTree>
